--- a/reference_content/Slides/006_regression_trees.pptx
+++ b/reference_content/Slides/006_regression_trees.pptx
@@ -8,15 +8,18 @@
     <p:sldId id="257" r:id="rId2"/>
     <p:sldId id="256" r:id="rId3"/>
     <p:sldId id="258" r:id="rId4"/>
-    <p:sldId id="259" r:id="rId5"/>
-    <p:sldId id="260" r:id="rId6"/>
-    <p:sldId id="261" r:id="rId7"/>
-    <p:sldId id="264" r:id="rId8"/>
-    <p:sldId id="267" r:id="rId9"/>
-    <p:sldId id="262" r:id="rId10"/>
-    <p:sldId id="265" r:id="rId11"/>
-    <p:sldId id="266" r:id="rId12"/>
-    <p:sldId id="263" r:id="rId13"/>
+    <p:sldId id="268" r:id="rId5"/>
+    <p:sldId id="259" r:id="rId6"/>
+    <p:sldId id="260" r:id="rId7"/>
+    <p:sldId id="261" r:id="rId8"/>
+    <p:sldId id="269" r:id="rId9"/>
+    <p:sldId id="264" r:id="rId10"/>
+    <p:sldId id="267" r:id="rId11"/>
+    <p:sldId id="262" r:id="rId12"/>
+    <p:sldId id="270" r:id="rId13"/>
+    <p:sldId id="265" r:id="rId14"/>
+    <p:sldId id="266" r:id="rId15"/>
+    <p:sldId id="263" r:id="rId16"/>
   </p:sldIdLst>
   <p:sldSz cx="12192000" cy="6858000"/>
   <p:notesSz cx="6858000" cy="9144000"/>
@@ -262,7 +265,7 @@
           <a:p>
             <a:fld id="{7C8CD1B5-45FB-634C-9FF2-76C2ECF7F6CD}" type="datetimeFigureOut">
               <a:rPr lang="en-US" smtClean="0"/>
-              <a:t>12/13/24</a:t>
+              <a:t>1/21/25</a:t>
             </a:fld>
             <a:endParaRPr lang="en-US"/>
           </a:p>
@@ -473,7 +476,7 @@
           <a:p>
             <a:fld id="{7C8CD1B5-45FB-634C-9FF2-76C2ECF7F6CD}" type="datetimeFigureOut">
               <a:rPr lang="en-US" smtClean="0"/>
-              <a:t>12/13/24</a:t>
+              <a:t>1/21/25</a:t>
             </a:fld>
             <a:endParaRPr lang="en-US"/>
           </a:p>
@@ -688,7 +691,7 @@
           <a:p>
             <a:fld id="{7C8CD1B5-45FB-634C-9FF2-76C2ECF7F6CD}" type="datetimeFigureOut">
               <a:rPr lang="en-US" smtClean="0"/>
-              <a:t>12/13/24</a:t>
+              <a:t>1/21/25</a:t>
             </a:fld>
             <a:endParaRPr lang="en-US"/>
           </a:p>
@@ -889,7 +892,7 @@
           <a:p>
             <a:fld id="{7C8CD1B5-45FB-634C-9FF2-76C2ECF7F6CD}" type="datetimeFigureOut">
               <a:rPr lang="en-US" smtClean="0"/>
-              <a:t>12/13/24</a:t>
+              <a:t>1/21/25</a:t>
             </a:fld>
             <a:endParaRPr lang="en-US"/>
           </a:p>
@@ -1168,7 +1171,7 @@
           <a:p>
             <a:fld id="{7C8CD1B5-45FB-634C-9FF2-76C2ECF7F6CD}" type="datetimeFigureOut">
               <a:rPr lang="en-US" smtClean="0"/>
-              <a:t>12/13/24</a:t>
+              <a:t>1/21/25</a:t>
             </a:fld>
             <a:endParaRPr lang="en-US"/>
           </a:p>
@@ -1436,7 +1439,7 @@
           <a:p>
             <a:fld id="{7C8CD1B5-45FB-634C-9FF2-76C2ECF7F6CD}" type="datetimeFigureOut">
               <a:rPr lang="en-US" smtClean="0"/>
-              <a:t>12/13/24</a:t>
+              <a:t>1/21/25</a:t>
             </a:fld>
             <a:endParaRPr lang="en-US"/>
           </a:p>
@@ -1852,7 +1855,7 @@
           <a:p>
             <a:fld id="{7C8CD1B5-45FB-634C-9FF2-76C2ECF7F6CD}" type="datetimeFigureOut">
               <a:rPr lang="en-US" smtClean="0"/>
-              <a:t>12/13/24</a:t>
+              <a:t>1/21/25</a:t>
             </a:fld>
             <a:endParaRPr lang="en-US"/>
           </a:p>
@@ -2001,7 +2004,7 @@
           <a:p>
             <a:fld id="{7C8CD1B5-45FB-634C-9FF2-76C2ECF7F6CD}" type="datetimeFigureOut">
               <a:rPr lang="en-US" smtClean="0"/>
-              <a:t>12/13/24</a:t>
+              <a:t>1/21/25</a:t>
             </a:fld>
             <a:endParaRPr lang="en-US"/>
           </a:p>
@@ -2127,7 +2130,7 @@
           <a:p>
             <a:fld id="{7C8CD1B5-45FB-634C-9FF2-76C2ECF7F6CD}" type="datetimeFigureOut">
               <a:rPr lang="en-US" smtClean="0"/>
-              <a:t>12/13/24</a:t>
+              <a:t>1/21/25</a:t>
             </a:fld>
             <a:endParaRPr lang="en-US"/>
           </a:p>
@@ -2378,7 +2381,7 @@
           <a:p>
             <a:fld id="{7C8CD1B5-45FB-634C-9FF2-76C2ECF7F6CD}" type="datetimeFigureOut">
               <a:rPr lang="en-US" smtClean="0"/>
-              <a:t>12/13/24</a:t>
+              <a:t>1/21/25</a:t>
             </a:fld>
             <a:endParaRPr lang="en-US"/>
           </a:p>
@@ -2823,7 +2826,7 @@
           <a:p>
             <a:fld id="{7C8CD1B5-45FB-634C-9FF2-76C2ECF7F6CD}" type="datetimeFigureOut">
               <a:rPr lang="en-US" smtClean="0"/>
-              <a:t>12/13/24</a:t>
+              <a:t>1/21/25</a:t>
             </a:fld>
             <a:endParaRPr lang="en-US"/>
           </a:p>
@@ -3150,7 +3153,7 @@
           <a:p>
             <a:fld id="{7C8CD1B5-45FB-634C-9FF2-76C2ECF7F6CD}" type="datetimeFigureOut">
               <a:rPr lang="en-US" smtClean="0"/>
-              <a:t>12/13/24</a:t>
+              <a:t>1/21/25</a:t>
             </a:fld>
             <a:endParaRPr lang="en-US"/>
           </a:p>
@@ -3692,39 +3695,6 @@
           <a:p>
             <a:r>
               <a:rPr lang="en-US" dirty="0"/>
-              <a:t>How to choose a model?</a:t>
-            </a:r>
-          </a:p>
-          <a:p>
-            <a:pPr lvl="1"/>
-            <a:r>
-              <a:rPr lang="en-US" dirty="0"/>
-              <a:t>There were a few questions on this, I’ll make a guide workbook, but it’ll make more sense later. </a:t>
-            </a:r>
-          </a:p>
-          <a:p>
-            <a:r>
-              <a:rPr lang="en-US" dirty="0"/>
-              <a:t>Assignment 2:</a:t>
-            </a:r>
-          </a:p>
-          <a:p>
-            <a:pPr lvl="1"/>
-            <a:r>
-              <a:rPr lang="en-US" dirty="0"/>
-              <a:t>There’s a sample bit of data cleaning in the workbook, you’ll need to do similar things. </a:t>
-            </a:r>
-          </a:p>
-          <a:p>
-            <a:pPr lvl="1"/>
-            <a:r>
-              <a:rPr lang="en-US" dirty="0"/>
-              <a:t>The data clean up will require a bit of exploration and trial-error. </a:t>
-            </a:r>
-          </a:p>
-          <a:p>
-            <a:r>
-              <a:rPr lang="en-US" dirty="0"/>
               <a:t>Today:</a:t>
             </a:r>
           </a:p>
@@ -3765,6 +3735,485 @@
 </file>
 
 <file path=ppt/slides/slide10.xml><?xml version="1.0" encoding="utf-8"?>
+<p:sld xmlns:a="http://schemas.openxmlformats.org/drawingml/2006/main" xmlns:r="http://schemas.openxmlformats.org/officeDocument/2006/relationships" xmlns:p="http://schemas.openxmlformats.org/presentationml/2006/main">
+  <p:cSld>
+    <p:spTree>
+      <p:nvGrpSpPr>
+        <p:cNvPr id="1" name=""/>
+        <p:cNvGrpSpPr/>
+        <p:nvPr/>
+      </p:nvGrpSpPr>
+      <p:grpSpPr>
+        <a:xfrm>
+          <a:off x="0" y="0"/>
+          <a:ext cx="0" cy="0"/>
+          <a:chOff x="0" y="0"/>
+          <a:chExt cx="0" cy="0"/>
+        </a:xfrm>
+      </p:grpSpPr>
+      <p:sp>
+        <p:nvSpPr>
+          <p:cNvPr id="2" name="Title 1">
+            <a:extLst>
+              <a:ext uri="{FF2B5EF4-FFF2-40B4-BE49-F238E27FC236}">
+                <a16:creationId xmlns:a16="http://schemas.microsoft.com/office/drawing/2014/main" id="{CC1ABE87-C58C-2321-9F50-E9E6BD5C3A04}"/>
+              </a:ext>
+            </a:extLst>
+          </p:cNvPr>
+          <p:cNvSpPr>
+            <a:spLocks noGrp="1"/>
+          </p:cNvSpPr>
+          <p:nvPr>
+            <p:ph type="title"/>
+          </p:nvPr>
+        </p:nvSpPr>
+        <p:spPr/>
+        <p:txBody>
+          <a:bodyPr/>
+          <a:lstStyle/>
+          <a:p>
+            <a:r>
+              <a:rPr lang="en-US" dirty="0"/>
+              <a:t>Another example</a:t>
+            </a:r>
+          </a:p>
+        </p:txBody>
+      </p:sp>
+      <p:sp>
+        <p:nvSpPr>
+          <p:cNvPr id="3" name="Content Placeholder 2">
+            <a:extLst>
+              <a:ext uri="{FF2B5EF4-FFF2-40B4-BE49-F238E27FC236}">
+                <a16:creationId xmlns:a16="http://schemas.microsoft.com/office/drawing/2014/main" id="{73E55EE0-13E5-0302-E480-B086A621C840}"/>
+              </a:ext>
+            </a:extLst>
+          </p:cNvPr>
+          <p:cNvSpPr>
+            <a:spLocks noGrp="1"/>
+          </p:cNvSpPr>
+          <p:nvPr>
+            <p:ph idx="1"/>
+          </p:nvPr>
+        </p:nvSpPr>
+        <p:spPr>
+          <a:xfrm>
+            <a:off x="1451579" y="1853754"/>
+            <a:ext cx="9603275" cy="1780767"/>
+          </a:xfrm>
+        </p:spPr>
+        <p:txBody>
+          <a:bodyPr/>
+          <a:lstStyle/>
+          <a:p>
+            <a:r>
+              <a:rPr lang="en-US" dirty="0"/>
+              <a:t>We’ll explore this more when we hit SVM’s, but data-model matching (kind of) matters. </a:t>
+            </a:r>
+          </a:p>
+          <a:p>
+            <a:r>
+              <a:rPr lang="en-US" dirty="0"/>
+              <a:t>Trees can adapt to data on the right, but can’t project to data outside its inputs. </a:t>
+            </a:r>
+          </a:p>
+          <a:p>
+            <a:r>
+              <a:rPr lang="en-US" dirty="0"/>
+              <a:t>Data exploration/stats knowledge can initially guide this, then performance can finish it. </a:t>
+            </a:r>
+          </a:p>
+        </p:txBody>
+      </p:sp>
+      <p:pic>
+        <p:nvPicPr>
+          <p:cNvPr id="6146" name="Picture 2" descr="Decision Tree Regression in 6 Steps with Python | by Samet Girgin |  PursuitOfData | Medium">
+            <a:extLst>
+              <a:ext uri="{FF2B5EF4-FFF2-40B4-BE49-F238E27FC236}">
+                <a16:creationId xmlns:a16="http://schemas.microsoft.com/office/drawing/2014/main" id="{D2D42556-C59B-A755-15A2-AA49E782B097}"/>
+              </a:ext>
+            </a:extLst>
+          </p:cNvPr>
+          <p:cNvPicPr>
+            <a:picLocks noChangeAspect="1" noChangeArrowheads="1"/>
+          </p:cNvPicPr>
+          <p:nvPr/>
+        </p:nvPicPr>
+        <p:blipFill>
+          <a:blip r:embed="rId2">
+            <a:extLst>
+              <a:ext uri="{28A0092B-C50C-407E-A947-70E740481C1C}">
+                <a14:useLocalDpi xmlns:a14="http://schemas.microsoft.com/office/drawing/2010/main" val="0"/>
+              </a:ext>
+            </a:extLst>
+          </a:blip>
+          <a:srcRect/>
+          <a:stretch>
+            <a:fillRect/>
+          </a:stretch>
+        </p:blipFill>
+        <p:spPr bwMode="auto">
+          <a:xfrm>
+            <a:off x="2192568" y="3634521"/>
+            <a:ext cx="7806864" cy="3223479"/>
+          </a:xfrm>
+          <a:prstGeom prst="rect">
+            <a:avLst/>
+          </a:prstGeom>
+          <a:noFill/>
+          <a:extLst>
+            <a:ext uri="{909E8E84-426E-40DD-AFC4-6F175D3DCCD1}">
+              <a14:hiddenFill xmlns:a14="http://schemas.microsoft.com/office/drawing/2010/main">
+                <a:solidFill>
+                  <a:srgbClr val="FFFFFF"/>
+                </a:solidFill>
+              </a14:hiddenFill>
+            </a:ext>
+          </a:extLst>
+        </p:spPr>
+      </p:pic>
+    </p:spTree>
+    <p:extLst>
+      <p:ext uri="{BB962C8B-B14F-4D97-AF65-F5344CB8AC3E}">
+        <p14:creationId xmlns:p14="http://schemas.microsoft.com/office/powerpoint/2010/main" val="530994044"/>
+      </p:ext>
+    </p:extLst>
+  </p:cSld>
+  <p:clrMapOvr>
+    <a:masterClrMapping/>
+  </p:clrMapOvr>
+</p:sld>
+</file>
+
+<file path=ppt/slides/slide11.xml><?xml version="1.0" encoding="utf-8"?>
+<p:sld xmlns:a="http://schemas.openxmlformats.org/drawingml/2006/main" xmlns:r="http://schemas.openxmlformats.org/officeDocument/2006/relationships" xmlns:p="http://schemas.openxmlformats.org/presentationml/2006/main">
+  <p:cSld>
+    <p:spTree>
+      <p:nvGrpSpPr>
+        <p:cNvPr id="1" name=""/>
+        <p:cNvGrpSpPr/>
+        <p:nvPr/>
+      </p:nvGrpSpPr>
+      <p:grpSpPr>
+        <a:xfrm>
+          <a:off x="0" y="0"/>
+          <a:ext cx="0" cy="0"/>
+          <a:chOff x="0" y="0"/>
+          <a:chExt cx="0" cy="0"/>
+        </a:xfrm>
+      </p:grpSpPr>
+      <p:sp>
+        <p:nvSpPr>
+          <p:cNvPr id="2" name="Title 1">
+            <a:extLst>
+              <a:ext uri="{FF2B5EF4-FFF2-40B4-BE49-F238E27FC236}">
+                <a16:creationId xmlns:a16="http://schemas.microsoft.com/office/drawing/2014/main" id="{002110EF-ECA5-B706-9E48-937B4A15BF8D}"/>
+              </a:ext>
+            </a:extLst>
+          </p:cNvPr>
+          <p:cNvSpPr>
+            <a:spLocks noGrp="1"/>
+          </p:cNvSpPr>
+          <p:nvPr>
+            <p:ph type="title"/>
+          </p:nvPr>
+        </p:nvSpPr>
+        <p:spPr/>
+        <p:txBody>
+          <a:bodyPr/>
+          <a:lstStyle/>
+          <a:p>
+            <a:r>
+              <a:rPr lang="en-US" dirty="0"/>
+              <a:t>Regression Tree Fits</a:t>
+            </a:r>
+          </a:p>
+        </p:txBody>
+      </p:sp>
+      <p:sp>
+        <p:nvSpPr>
+          <p:cNvPr id="3" name="Content Placeholder 2">
+            <a:extLst>
+              <a:ext uri="{FF2B5EF4-FFF2-40B4-BE49-F238E27FC236}">
+                <a16:creationId xmlns:a16="http://schemas.microsoft.com/office/drawing/2014/main" id="{9E7B4BE1-5C3F-C8F1-6BBF-E36371763D36}"/>
+              </a:ext>
+            </a:extLst>
+          </p:cNvPr>
+          <p:cNvSpPr>
+            <a:spLocks noGrp="1"/>
+          </p:cNvSpPr>
+          <p:nvPr>
+            <p:ph idx="1"/>
+          </p:nvPr>
+        </p:nvSpPr>
+        <p:spPr>
+          <a:xfrm>
+            <a:off x="1451579" y="1853754"/>
+            <a:ext cx="9603275" cy="1724471"/>
+          </a:xfrm>
+        </p:spPr>
+        <p:txBody>
+          <a:bodyPr/>
+          <a:lstStyle/>
+          <a:p>
+            <a:r>
+              <a:rPr lang="en-US" dirty="0"/>
+              <a:t>Like a classification tree, regression trees will overfit without limits. </a:t>
+            </a:r>
+          </a:p>
+          <a:p>
+            <a:pPr lvl="1"/>
+            <a:r>
+              <a:rPr lang="en-US" dirty="0"/>
+              <a:t>For regression, that can mean one node per output value (i.e. the model gets MSE to 0)</a:t>
+            </a:r>
+          </a:p>
+          <a:p>
+            <a:r>
+              <a:rPr lang="en-US" dirty="0"/>
+              <a:t>Anti-overfitting things like HP limits, pruning, or forests are maybe more important here. </a:t>
+            </a:r>
+          </a:p>
+        </p:txBody>
+      </p:sp>
+      <p:pic>
+        <p:nvPicPr>
+          <p:cNvPr id="5122" name="Picture 2" descr="Does Bagging Help to Prevent Overfitting in Decision Trees? | by Gurjinder  Kaur | Dec, 2023 | Towards Data Science">
+            <a:extLst>
+              <a:ext uri="{FF2B5EF4-FFF2-40B4-BE49-F238E27FC236}">
+                <a16:creationId xmlns:a16="http://schemas.microsoft.com/office/drawing/2014/main" id="{5D352D8A-1DDF-8F5E-C6DB-4990F3AA3009}"/>
+              </a:ext>
+            </a:extLst>
+          </p:cNvPr>
+          <p:cNvPicPr>
+            <a:picLocks noChangeAspect="1" noChangeArrowheads="1"/>
+          </p:cNvPicPr>
+          <p:nvPr/>
+        </p:nvPicPr>
+        <p:blipFill>
+          <a:blip r:embed="rId2">
+            <a:extLst>
+              <a:ext uri="{28A0092B-C50C-407E-A947-70E740481C1C}">
+                <a14:useLocalDpi xmlns:a14="http://schemas.microsoft.com/office/drawing/2010/main" val="0"/>
+              </a:ext>
+            </a:extLst>
+          </a:blip>
+          <a:srcRect/>
+          <a:stretch>
+            <a:fillRect/>
+          </a:stretch>
+        </p:blipFill>
+        <p:spPr bwMode="auto">
+          <a:xfrm>
+            <a:off x="0" y="3578225"/>
+            <a:ext cx="12192000" cy="3279775"/>
+          </a:xfrm>
+          <a:prstGeom prst="rect">
+            <a:avLst/>
+          </a:prstGeom>
+          <a:noFill/>
+          <a:extLst>
+            <a:ext uri="{909E8E84-426E-40DD-AFC4-6F175D3DCCD1}">
+              <a14:hiddenFill xmlns:a14="http://schemas.microsoft.com/office/drawing/2010/main">
+                <a:solidFill>
+                  <a:srgbClr val="FFFFFF"/>
+                </a:solidFill>
+              </a14:hiddenFill>
+            </a:ext>
+          </a:extLst>
+        </p:spPr>
+      </p:pic>
+    </p:spTree>
+    <p:extLst>
+      <p:ext uri="{BB962C8B-B14F-4D97-AF65-F5344CB8AC3E}">
+        <p14:creationId xmlns:p14="http://schemas.microsoft.com/office/powerpoint/2010/main" val="3159144772"/>
+      </p:ext>
+    </p:extLst>
+  </p:cSld>
+  <p:clrMapOvr>
+    <a:masterClrMapping/>
+  </p:clrMapOvr>
+</p:sld>
+</file>
+
+<file path=ppt/slides/slide12.xml><?xml version="1.0" encoding="utf-8"?>
+<p:sld xmlns:a="http://schemas.openxmlformats.org/drawingml/2006/main" xmlns:r="http://schemas.openxmlformats.org/officeDocument/2006/relationships" xmlns:p="http://schemas.openxmlformats.org/presentationml/2006/main">
+  <p:cSld>
+    <p:spTree>
+      <p:nvGrpSpPr>
+        <p:cNvPr id="1" name=""/>
+        <p:cNvGrpSpPr/>
+        <p:nvPr/>
+      </p:nvGrpSpPr>
+      <p:grpSpPr>
+        <a:xfrm>
+          <a:off x="0" y="0"/>
+          <a:ext cx="0" cy="0"/>
+          <a:chOff x="0" y="0"/>
+          <a:chExt cx="0" cy="0"/>
+        </a:xfrm>
+      </p:grpSpPr>
+      <p:sp>
+        <p:nvSpPr>
+          <p:cNvPr id="2" name="Title 1">
+            <a:extLst>
+              <a:ext uri="{FF2B5EF4-FFF2-40B4-BE49-F238E27FC236}">
+                <a16:creationId xmlns:a16="http://schemas.microsoft.com/office/drawing/2014/main" id="{193ED011-2793-97D0-CA52-8F9918B80CAF}"/>
+              </a:ext>
+            </a:extLst>
+          </p:cNvPr>
+          <p:cNvSpPr>
+            <a:spLocks noGrp="1"/>
+          </p:cNvSpPr>
+          <p:nvPr>
+            <p:ph type="title"/>
+          </p:nvPr>
+        </p:nvSpPr>
+        <p:spPr/>
+        <p:txBody>
+          <a:bodyPr/>
+          <a:lstStyle/>
+          <a:p>
+            <a:r>
+              <a:rPr lang="en-US"/>
+              <a:t>Overfits – Extreme ‘Jumps’</a:t>
+            </a:r>
+            <a:endParaRPr lang="en-US" dirty="0"/>
+          </a:p>
+        </p:txBody>
+      </p:sp>
+      <p:sp>
+        <p:nvSpPr>
+          <p:cNvPr id="3" name="Content Placeholder 2">
+            <a:extLst>
+              <a:ext uri="{FF2B5EF4-FFF2-40B4-BE49-F238E27FC236}">
+                <a16:creationId xmlns:a16="http://schemas.microsoft.com/office/drawing/2014/main" id="{D14D09E2-04E4-6990-EB48-BEF51B170B2A}"/>
+              </a:ext>
+            </a:extLst>
+          </p:cNvPr>
+          <p:cNvSpPr>
+            <a:spLocks noGrp="1"/>
+          </p:cNvSpPr>
+          <p:nvPr>
+            <p:ph idx="1"/>
+          </p:nvPr>
+        </p:nvSpPr>
+        <p:spPr/>
+        <p:txBody>
+          <a:bodyPr/>
+          <a:lstStyle/>
+          <a:p>
+            <a:endParaRPr lang="en-US"/>
+          </a:p>
+        </p:txBody>
+      </p:sp>
+      <p:pic>
+        <p:nvPicPr>
+          <p:cNvPr id="2050" name="Picture 2" descr="Decision Tree Regression — scikit-learn 1.5.2 documentation">
+            <a:extLst>
+              <a:ext uri="{FF2B5EF4-FFF2-40B4-BE49-F238E27FC236}">
+                <a16:creationId xmlns:a16="http://schemas.microsoft.com/office/drawing/2014/main" id="{AA1C77F3-91AB-6387-9BE1-71D8E4287CCA}"/>
+              </a:ext>
+            </a:extLst>
+          </p:cNvPr>
+          <p:cNvPicPr>
+            <a:picLocks noChangeAspect="1" noChangeArrowheads="1"/>
+          </p:cNvPicPr>
+          <p:nvPr/>
+        </p:nvPicPr>
+        <p:blipFill>
+          <a:blip r:embed="rId2">
+            <a:extLst>
+              <a:ext uri="{28A0092B-C50C-407E-A947-70E740481C1C}">
+                <a14:useLocalDpi xmlns:a14="http://schemas.microsoft.com/office/drawing/2010/main" val="0"/>
+              </a:ext>
+            </a:extLst>
+          </a:blip>
+          <a:srcRect/>
+          <a:stretch>
+            <a:fillRect/>
+          </a:stretch>
+        </p:blipFill>
+        <p:spPr bwMode="auto">
+          <a:xfrm>
+            <a:off x="0" y="1820917"/>
+            <a:ext cx="5643419" cy="4232564"/>
+          </a:xfrm>
+          <a:prstGeom prst="rect">
+            <a:avLst/>
+          </a:prstGeom>
+          <a:noFill/>
+          <a:extLst>
+            <a:ext uri="{909E8E84-426E-40DD-AFC4-6F175D3DCCD1}">
+              <a14:hiddenFill xmlns:a14="http://schemas.microsoft.com/office/drawing/2010/main">
+                <a:solidFill>
+                  <a:srgbClr val="FFFFFF"/>
+                </a:solidFill>
+              </a14:hiddenFill>
+            </a:ext>
+          </a:extLst>
+        </p:spPr>
+      </p:pic>
+      <p:pic>
+        <p:nvPicPr>
+          <p:cNvPr id="2052" name="Picture 4" descr="Modelling Regression Trees. How to program this classic Machine… | by Diego  Lopez Yse | Towards Data Science">
+            <a:extLst>
+              <a:ext uri="{FF2B5EF4-FFF2-40B4-BE49-F238E27FC236}">
+                <a16:creationId xmlns:a16="http://schemas.microsoft.com/office/drawing/2014/main" id="{BC2B87EE-FA4E-97AD-40C8-DF8F9C55A45C}"/>
+              </a:ext>
+            </a:extLst>
+          </p:cNvPr>
+          <p:cNvPicPr>
+            <a:picLocks noChangeAspect="1" noChangeArrowheads="1"/>
+          </p:cNvPicPr>
+          <p:nvPr/>
+        </p:nvPicPr>
+        <p:blipFill>
+          <a:blip r:embed="rId3">
+            <a:extLst>
+              <a:ext uri="{28A0092B-C50C-407E-A947-70E740481C1C}">
+                <a14:useLocalDpi xmlns:a14="http://schemas.microsoft.com/office/drawing/2010/main" val="0"/>
+              </a:ext>
+            </a:extLst>
+          </a:blip>
+          <a:srcRect/>
+          <a:stretch>
+            <a:fillRect/>
+          </a:stretch>
+        </p:blipFill>
+        <p:spPr bwMode="auto">
+          <a:xfrm>
+            <a:off x="5637287" y="2177710"/>
+            <a:ext cx="6554713" cy="3450613"/>
+          </a:xfrm>
+          <a:prstGeom prst="rect">
+            <a:avLst/>
+          </a:prstGeom>
+          <a:noFill/>
+          <a:extLst>
+            <a:ext uri="{909E8E84-426E-40DD-AFC4-6F175D3DCCD1}">
+              <a14:hiddenFill xmlns:a14="http://schemas.microsoft.com/office/drawing/2010/main">
+                <a:solidFill>
+                  <a:srgbClr val="FFFFFF"/>
+                </a:solidFill>
+              </a14:hiddenFill>
+            </a:ext>
+          </a:extLst>
+        </p:spPr>
+      </p:pic>
+    </p:spTree>
+    <p:extLst>
+      <p:ext uri="{BB962C8B-B14F-4D97-AF65-F5344CB8AC3E}">
+        <p14:creationId xmlns:p14="http://schemas.microsoft.com/office/powerpoint/2010/main" val="720448512"/>
+      </p:ext>
+    </p:extLst>
+  </p:cSld>
+  <p:clrMapOvr>
+    <a:masterClrMapping/>
+  </p:clrMapOvr>
+</p:sld>
+</file>
+
+<file path=ppt/slides/slide13.xml><?xml version="1.0" encoding="utf-8"?>
 <p:sld xmlns:a="http://schemas.openxmlformats.org/drawingml/2006/main" xmlns:r="http://schemas.openxmlformats.org/officeDocument/2006/relationships" xmlns:p="http://schemas.openxmlformats.org/presentationml/2006/main">
   <p:cSld>
     <p:bg>
@@ -4011,7 +4460,7 @@
 </p:sld>
 </file>
 
-<file path=ppt/slides/slide11.xml><?xml version="1.0" encoding="utf-8"?>
+<file path=ppt/slides/slide14.xml><?xml version="1.0" encoding="utf-8"?>
 <p:sld xmlns:a="http://schemas.openxmlformats.org/drawingml/2006/main" xmlns:r="http://schemas.openxmlformats.org/officeDocument/2006/relationships" xmlns:p="http://schemas.openxmlformats.org/presentationml/2006/main">
   <p:cSld>
     <p:spTree>
@@ -4185,7 +4634,7 @@
 </p:sld>
 </file>
 
-<file path=ppt/slides/slide12.xml><?xml version="1.0" encoding="utf-8"?>
+<file path=ppt/slides/slide15.xml><?xml version="1.0" encoding="utf-8"?>
 <p:sld xmlns:a="http://schemas.openxmlformats.org/drawingml/2006/main" xmlns:r="http://schemas.openxmlformats.org/officeDocument/2006/relationships" xmlns:p="http://schemas.openxmlformats.org/presentationml/2006/main">
   <p:cSld>
     <p:spTree>
@@ -4491,43 +4940,13 @@
           <a:p>
             <a:r>
               <a:rPr lang="en-US" dirty="0"/>
-              <a:t>The logic of how a tree works remains the same, some details change:</a:t>
-            </a:r>
-          </a:p>
-          <a:p>
-            <a:pPr lvl="1"/>
-            <a:r>
-              <a:rPr lang="en-US" dirty="0"/>
-              <a:t>The ‘purity’ (entropy/</a:t>
-            </a:r>
-            <a:r>
-              <a:rPr lang="en-US" dirty="0" err="1"/>
-              <a:t>gini</a:t>
-            </a:r>
-            <a:r>
-              <a:rPr lang="en-US" dirty="0"/>
-              <a:t>) of each split becomes the MSE. </a:t>
-            </a:r>
-          </a:p>
-          <a:p>
-            <a:pPr lvl="1"/>
-            <a:r>
-              <a:rPr lang="en-US" dirty="0"/>
-              <a:t>The predication of each leaf node is a value, not a class. </a:t>
-            </a:r>
-          </a:p>
-          <a:p>
-            <a:r>
-              <a:rPr lang="en-US" dirty="0"/>
-              <a:t>Practical usage is not really any different in </a:t>
-            </a:r>
-            <a:r>
-              <a:rPr lang="en-US" dirty="0" err="1"/>
-              <a:t>sklearn</a:t>
-            </a:r>
-            <a:r>
-              <a:rPr lang="en-US" dirty="0"/>
-              <a:t>. </a:t>
+              <a:t>Practical usage is not really any different in sklearn. </a:t>
+            </a:r>
+          </a:p>
+          <a:p>
+            <a:r>
+              <a:rPr lang="en-US" dirty="0"/>
+              <a:t>The logic of how a tree works remains the same, some details change.</a:t>
             </a:r>
           </a:p>
           <a:p>
@@ -4620,6 +5039,135 @@
           <p:cNvPr id="2" name="Title 1">
             <a:extLst>
               <a:ext uri="{FF2B5EF4-FFF2-40B4-BE49-F238E27FC236}">
+                <a16:creationId xmlns:a16="http://schemas.microsoft.com/office/drawing/2014/main" id="{618DD182-479B-E651-62F1-DC97781DA694}"/>
+              </a:ext>
+            </a:extLst>
+          </p:cNvPr>
+          <p:cNvSpPr>
+            <a:spLocks noGrp="1"/>
+          </p:cNvSpPr>
+          <p:nvPr>
+            <p:ph type="title"/>
+          </p:nvPr>
+        </p:nvSpPr>
+        <p:spPr/>
+        <p:txBody>
+          <a:bodyPr/>
+          <a:lstStyle/>
+          <a:p>
+            <a:r>
+              <a:rPr lang="en-US" dirty="0"/>
+              <a:t>Tree Changes</a:t>
+            </a:r>
+          </a:p>
+        </p:txBody>
+      </p:sp>
+      <p:sp>
+        <p:nvSpPr>
+          <p:cNvPr id="3" name="Content Placeholder 2">
+            <a:extLst>
+              <a:ext uri="{FF2B5EF4-FFF2-40B4-BE49-F238E27FC236}">
+                <a16:creationId xmlns:a16="http://schemas.microsoft.com/office/drawing/2014/main" id="{92AC9BEC-D69D-8041-39B8-41CECEDFD23F}"/>
+              </a:ext>
+            </a:extLst>
+          </p:cNvPr>
+          <p:cNvSpPr>
+            <a:spLocks noGrp="1"/>
+          </p:cNvSpPr>
+          <p:nvPr>
+            <p:ph idx="1"/>
+          </p:nvPr>
+        </p:nvSpPr>
+        <p:spPr>
+          <a:xfrm>
+            <a:off x="1451579" y="2015732"/>
+            <a:ext cx="9603275" cy="3880571"/>
+          </a:xfrm>
+        </p:spPr>
+        <p:txBody>
+          <a:bodyPr/>
+          <a:lstStyle/>
+          <a:p>
+            <a:r>
+              <a:rPr lang="en-US" dirty="0"/>
+              <a:t>The ‘purity’ (entropy/</a:t>
+            </a:r>
+            <a:r>
+              <a:rPr lang="en-US" dirty="0" err="1"/>
+              <a:t>gini</a:t>
+            </a:r>
+            <a:r>
+              <a:rPr lang="en-US" dirty="0"/>
+              <a:t>) of each split becomes the mean squared error. </a:t>
+            </a:r>
+          </a:p>
+          <a:p>
+            <a:pPr lvl="1"/>
+            <a:r>
+              <a:rPr lang="en-US" dirty="0"/>
+              <a:t>Instead of finding a split to maximize purity, it looks for one to minimize MSE. </a:t>
+            </a:r>
+          </a:p>
+          <a:p>
+            <a:r>
+              <a:rPr lang="en-US" dirty="0"/>
+              <a:t>The predication of each leaf node is a value, not a class. </a:t>
+            </a:r>
+          </a:p>
+          <a:p>
+            <a:pPr lvl="1"/>
+            <a:r>
+              <a:rPr lang="en-US" dirty="0"/>
+              <a:t>In classification trees, the majority class in a leaf is its value. </a:t>
+            </a:r>
+          </a:p>
+          <a:p>
+            <a:pPr lvl="1"/>
+            <a:r>
+              <a:rPr lang="en-US" dirty="0"/>
+              <a:t>In regression trees, the mean of the records in it is its value. </a:t>
+            </a:r>
+          </a:p>
+          <a:p>
+            <a:endParaRPr lang="en-US" dirty="0"/>
+          </a:p>
+        </p:txBody>
+      </p:sp>
+    </p:spTree>
+    <p:extLst>
+      <p:ext uri="{BB962C8B-B14F-4D97-AF65-F5344CB8AC3E}">
+        <p14:creationId xmlns:p14="http://schemas.microsoft.com/office/powerpoint/2010/main" val="1063414855"/>
+      </p:ext>
+    </p:extLst>
+  </p:cSld>
+  <p:clrMapOvr>
+    <a:masterClrMapping/>
+  </p:clrMapOvr>
+</p:sld>
+</file>
+
+<file path=ppt/slides/slide5.xml><?xml version="1.0" encoding="utf-8"?>
+<p:sld xmlns:a="http://schemas.openxmlformats.org/drawingml/2006/main" xmlns:r="http://schemas.openxmlformats.org/officeDocument/2006/relationships" xmlns:p="http://schemas.openxmlformats.org/presentationml/2006/main">
+  <p:cSld>
+    <p:spTree>
+      <p:nvGrpSpPr>
+        <p:cNvPr id="1" name=""/>
+        <p:cNvGrpSpPr/>
+        <p:nvPr/>
+      </p:nvGrpSpPr>
+      <p:grpSpPr>
+        <a:xfrm>
+          <a:off x="0" y="0"/>
+          <a:ext cx="0" cy="0"/>
+          <a:chOff x="0" y="0"/>
+          <a:chExt cx="0" cy="0"/>
+        </a:xfrm>
+      </p:grpSpPr>
+      <p:sp>
+        <p:nvSpPr>
+          <p:cNvPr id="2" name="Title 1">
+            <a:extLst>
+              <a:ext uri="{FF2B5EF4-FFF2-40B4-BE49-F238E27FC236}">
                 <a16:creationId xmlns:a16="http://schemas.microsoft.com/office/drawing/2014/main" id="{691C052E-A134-94EB-A999-A88D1C1518FF}"/>
               </a:ext>
             </a:extLst>
@@ -4807,190 +5355,6 @@
     <p:extLst>
       <p:ext uri="{BB962C8B-B14F-4D97-AF65-F5344CB8AC3E}">
         <p14:creationId xmlns:p14="http://schemas.microsoft.com/office/powerpoint/2010/main" val="1344401520"/>
-      </p:ext>
-    </p:extLst>
-  </p:cSld>
-  <p:clrMapOvr>
-    <a:masterClrMapping/>
-  </p:clrMapOvr>
-</p:sld>
-</file>
-
-<file path=ppt/slides/slide5.xml><?xml version="1.0" encoding="utf-8"?>
-<p:sld xmlns:a="http://schemas.openxmlformats.org/drawingml/2006/main" xmlns:r="http://schemas.openxmlformats.org/officeDocument/2006/relationships" xmlns:p="http://schemas.openxmlformats.org/presentationml/2006/main">
-  <p:cSld>
-    <p:bg>
-      <p:bgPr>
-        <a:gradFill rotWithShape="1">
-          <a:gsLst>
-            <a:gs pos="0">
-              <a:schemeClr val="bg2">
-                <a:tint val="94000"/>
-                <a:satMod val="80000"/>
-                <a:lumMod val="106000"/>
-              </a:schemeClr>
-            </a:gs>
-            <a:gs pos="100000">
-              <a:schemeClr val="bg2">
-                <a:shade val="80000"/>
-              </a:schemeClr>
-            </a:gs>
-          </a:gsLst>
-          <a:path path="circle">
-            <a:fillToRect l="43000" r="43000" b="100000"/>
-          </a:path>
-        </a:gradFill>
-        <a:effectLst/>
-      </p:bgPr>
-    </p:bg>
-    <p:spTree>
-      <p:nvGrpSpPr>
-        <p:cNvPr id="1" name=""/>
-        <p:cNvGrpSpPr/>
-        <p:nvPr/>
-      </p:nvGrpSpPr>
-      <p:grpSpPr>
-        <a:xfrm>
-          <a:off x="0" y="0"/>
-          <a:ext cx="0" cy="0"/>
-          <a:chOff x="0" y="0"/>
-          <a:chExt cx="0" cy="0"/>
-        </a:xfrm>
-      </p:grpSpPr>
-      <p:sp>
-        <p:nvSpPr>
-          <p:cNvPr id="2" name="Title 1">
-            <a:extLst>
-              <a:ext uri="{FF2B5EF4-FFF2-40B4-BE49-F238E27FC236}">
-                <a16:creationId xmlns:a16="http://schemas.microsoft.com/office/drawing/2014/main" id="{B1917AC6-D281-07BC-C208-7327639FBC6B}"/>
-              </a:ext>
-            </a:extLst>
-          </p:cNvPr>
-          <p:cNvSpPr>
-            <a:spLocks noGrp="1"/>
-          </p:cNvSpPr>
-          <p:nvPr>
-            <p:ph type="title"/>
-          </p:nvPr>
-        </p:nvSpPr>
-        <p:spPr>
-          <a:xfrm>
-            <a:off x="1451579" y="804519"/>
-            <a:ext cx="9603275" cy="1049235"/>
-          </a:xfrm>
-        </p:spPr>
-        <p:txBody>
-          <a:bodyPr>
-            <a:normAutofit/>
-          </a:bodyPr>
-          <a:lstStyle/>
-          <a:p>
-            <a:r>
-              <a:rPr lang="en-US" dirty="0"/>
-              <a:t>Leaf Node Predictions</a:t>
-            </a:r>
-          </a:p>
-        </p:txBody>
-      </p:sp>
-      <p:pic>
-        <p:nvPicPr>
-          <p:cNvPr id="3074" name="Picture 2" descr="Resume of Decision Trees with Scikit-Learn - Jingwen Zheng">
-            <a:extLst>
-              <a:ext uri="{FF2B5EF4-FFF2-40B4-BE49-F238E27FC236}">
-                <a16:creationId xmlns:a16="http://schemas.microsoft.com/office/drawing/2014/main" id="{D9620360-C5A9-62F7-F9BA-946726ECCA24}"/>
-              </a:ext>
-            </a:extLst>
-          </p:cNvPr>
-          <p:cNvPicPr>
-            <a:picLocks noChangeAspect="1" noChangeArrowheads="1"/>
-          </p:cNvPicPr>
-          <p:nvPr/>
-        </p:nvPicPr>
-        <p:blipFill>
-          <a:blip r:embed="rId2">
-            <a:extLst>
-              <a:ext uri="{28A0092B-C50C-407E-A947-70E740481C1C}">
-                <a14:useLocalDpi xmlns:a14="http://schemas.microsoft.com/office/drawing/2010/main" val="0"/>
-              </a:ext>
-            </a:extLst>
-          </a:blip>
-          <a:stretch>
-            <a:fillRect/>
-          </a:stretch>
-        </p:blipFill>
-        <p:spPr bwMode="auto">
-          <a:xfrm>
-            <a:off x="0" y="2015734"/>
-            <a:ext cx="6815005" cy="3748252"/>
-          </a:xfrm>
-          <a:prstGeom prst="rect">
-            <a:avLst/>
-          </a:prstGeom>
-          <a:noFill/>
-          <a:extLst>
-            <a:ext uri="{909E8E84-426E-40DD-AFC4-6F175D3DCCD1}">
-              <a14:hiddenFill xmlns:a14="http://schemas.microsoft.com/office/drawing/2010/main">
-                <a:solidFill>
-                  <a:srgbClr val="FFFFFF"/>
-                </a:solidFill>
-              </a14:hiddenFill>
-            </a:ext>
-          </a:extLst>
-        </p:spPr>
-      </p:pic>
-      <p:sp>
-        <p:nvSpPr>
-          <p:cNvPr id="3" name="Content Placeholder 2">
-            <a:extLst>
-              <a:ext uri="{FF2B5EF4-FFF2-40B4-BE49-F238E27FC236}">
-                <a16:creationId xmlns:a16="http://schemas.microsoft.com/office/drawing/2014/main" id="{336DEC24-9108-7DDC-4107-8113BB10DBD5}"/>
-              </a:ext>
-            </a:extLst>
-          </p:cNvPr>
-          <p:cNvSpPr>
-            <a:spLocks noGrp="1"/>
-          </p:cNvSpPr>
-          <p:nvPr>
-            <p:ph idx="1"/>
-          </p:nvPr>
-        </p:nvSpPr>
-        <p:spPr>
-          <a:xfrm>
-            <a:off x="6892299" y="2015734"/>
-            <a:ext cx="5299701" cy="4037747"/>
-          </a:xfrm>
-        </p:spPr>
-        <p:txBody>
-          <a:bodyPr>
-            <a:normAutofit/>
-          </a:bodyPr>
-          <a:lstStyle/>
-          <a:p>
-            <a:r>
-              <a:rPr lang="en-US" sz="2800" dirty="0"/>
-              <a:t>Just like a classification tree, the regression tree predicts based on the value of the final leaf node. </a:t>
-            </a:r>
-          </a:p>
-          <a:p>
-            <a:pPr lvl="1"/>
-            <a:r>
-              <a:rPr lang="en-US" sz="2400" dirty="0"/>
-              <a:t>In a classification tree it is the predominant class of that node. </a:t>
-            </a:r>
-          </a:p>
-          <a:p>
-            <a:pPr lvl="1"/>
-            <a:r>
-              <a:rPr lang="en-US" sz="2400" dirty="0"/>
-              <a:t>In a regression tree it is the mean of the values in that node. </a:t>
-            </a:r>
-          </a:p>
-        </p:txBody>
-      </p:sp>
-    </p:spTree>
-    <p:extLst>
-      <p:ext uri="{BB962C8B-B14F-4D97-AF65-F5344CB8AC3E}">
-        <p14:creationId xmlns:p14="http://schemas.microsoft.com/office/powerpoint/2010/main" val="2268700501"/>
       </p:ext>
     </p:extLst>
   </p:cSld>
@@ -5046,6 +5410,190 @@
           <p:cNvPr id="2" name="Title 1">
             <a:extLst>
               <a:ext uri="{FF2B5EF4-FFF2-40B4-BE49-F238E27FC236}">
+                <a16:creationId xmlns:a16="http://schemas.microsoft.com/office/drawing/2014/main" id="{B1917AC6-D281-07BC-C208-7327639FBC6B}"/>
+              </a:ext>
+            </a:extLst>
+          </p:cNvPr>
+          <p:cNvSpPr>
+            <a:spLocks noGrp="1"/>
+          </p:cNvSpPr>
+          <p:nvPr>
+            <p:ph type="title"/>
+          </p:nvPr>
+        </p:nvSpPr>
+        <p:spPr>
+          <a:xfrm>
+            <a:off x="1451579" y="804519"/>
+            <a:ext cx="9603275" cy="1049235"/>
+          </a:xfrm>
+        </p:spPr>
+        <p:txBody>
+          <a:bodyPr>
+            <a:normAutofit/>
+          </a:bodyPr>
+          <a:lstStyle/>
+          <a:p>
+            <a:r>
+              <a:rPr lang="en-US" dirty="0"/>
+              <a:t>Leaf Node Predictions</a:t>
+            </a:r>
+          </a:p>
+        </p:txBody>
+      </p:sp>
+      <p:pic>
+        <p:nvPicPr>
+          <p:cNvPr id="3074" name="Picture 2" descr="Resume of Decision Trees with Scikit-Learn - Jingwen Zheng">
+            <a:extLst>
+              <a:ext uri="{FF2B5EF4-FFF2-40B4-BE49-F238E27FC236}">
+                <a16:creationId xmlns:a16="http://schemas.microsoft.com/office/drawing/2014/main" id="{D9620360-C5A9-62F7-F9BA-946726ECCA24}"/>
+              </a:ext>
+            </a:extLst>
+          </p:cNvPr>
+          <p:cNvPicPr>
+            <a:picLocks noChangeAspect="1" noChangeArrowheads="1"/>
+          </p:cNvPicPr>
+          <p:nvPr/>
+        </p:nvPicPr>
+        <p:blipFill>
+          <a:blip r:embed="rId2">
+            <a:extLst>
+              <a:ext uri="{28A0092B-C50C-407E-A947-70E740481C1C}">
+                <a14:useLocalDpi xmlns:a14="http://schemas.microsoft.com/office/drawing/2010/main" val="0"/>
+              </a:ext>
+            </a:extLst>
+          </a:blip>
+          <a:stretch>
+            <a:fillRect/>
+          </a:stretch>
+        </p:blipFill>
+        <p:spPr bwMode="auto">
+          <a:xfrm>
+            <a:off x="0" y="2015734"/>
+            <a:ext cx="6815005" cy="3748252"/>
+          </a:xfrm>
+          <a:prstGeom prst="rect">
+            <a:avLst/>
+          </a:prstGeom>
+          <a:noFill/>
+          <a:extLst>
+            <a:ext uri="{909E8E84-426E-40DD-AFC4-6F175D3DCCD1}">
+              <a14:hiddenFill xmlns:a14="http://schemas.microsoft.com/office/drawing/2010/main">
+                <a:solidFill>
+                  <a:srgbClr val="FFFFFF"/>
+                </a:solidFill>
+              </a14:hiddenFill>
+            </a:ext>
+          </a:extLst>
+        </p:spPr>
+      </p:pic>
+      <p:sp>
+        <p:nvSpPr>
+          <p:cNvPr id="3" name="Content Placeholder 2">
+            <a:extLst>
+              <a:ext uri="{FF2B5EF4-FFF2-40B4-BE49-F238E27FC236}">
+                <a16:creationId xmlns:a16="http://schemas.microsoft.com/office/drawing/2014/main" id="{336DEC24-9108-7DDC-4107-8113BB10DBD5}"/>
+              </a:ext>
+            </a:extLst>
+          </p:cNvPr>
+          <p:cNvSpPr>
+            <a:spLocks noGrp="1"/>
+          </p:cNvSpPr>
+          <p:nvPr>
+            <p:ph idx="1"/>
+          </p:nvPr>
+        </p:nvSpPr>
+        <p:spPr>
+          <a:xfrm>
+            <a:off x="6892299" y="2015734"/>
+            <a:ext cx="5299701" cy="4037747"/>
+          </a:xfrm>
+        </p:spPr>
+        <p:txBody>
+          <a:bodyPr>
+            <a:normAutofit/>
+          </a:bodyPr>
+          <a:lstStyle/>
+          <a:p>
+            <a:r>
+              <a:rPr lang="en-US" sz="2800" dirty="0"/>
+              <a:t>Just like a classification tree, the regression tree predicts based on the value of the final leaf node. </a:t>
+            </a:r>
+          </a:p>
+          <a:p>
+            <a:pPr lvl="1"/>
+            <a:r>
+              <a:rPr lang="en-US" sz="2400" dirty="0"/>
+              <a:t>In a classification tree it is the predominant class of that node. </a:t>
+            </a:r>
+          </a:p>
+          <a:p>
+            <a:pPr lvl="1"/>
+            <a:r>
+              <a:rPr lang="en-US" sz="2400" dirty="0"/>
+              <a:t>In a regression tree it is the mean of the values in that node. </a:t>
+            </a:r>
+          </a:p>
+        </p:txBody>
+      </p:sp>
+    </p:spTree>
+    <p:extLst>
+      <p:ext uri="{BB962C8B-B14F-4D97-AF65-F5344CB8AC3E}">
+        <p14:creationId xmlns:p14="http://schemas.microsoft.com/office/powerpoint/2010/main" val="2268700501"/>
+      </p:ext>
+    </p:extLst>
+  </p:cSld>
+  <p:clrMapOvr>
+    <a:masterClrMapping/>
+  </p:clrMapOvr>
+</p:sld>
+</file>
+
+<file path=ppt/slides/slide7.xml><?xml version="1.0" encoding="utf-8"?>
+<p:sld xmlns:a="http://schemas.openxmlformats.org/drawingml/2006/main" xmlns:r="http://schemas.openxmlformats.org/officeDocument/2006/relationships" xmlns:p="http://schemas.openxmlformats.org/presentationml/2006/main">
+  <p:cSld>
+    <p:bg>
+      <p:bgPr>
+        <a:gradFill rotWithShape="1">
+          <a:gsLst>
+            <a:gs pos="0">
+              <a:schemeClr val="bg2">
+                <a:tint val="94000"/>
+                <a:satMod val="80000"/>
+                <a:lumMod val="106000"/>
+              </a:schemeClr>
+            </a:gs>
+            <a:gs pos="100000">
+              <a:schemeClr val="bg2">
+                <a:shade val="80000"/>
+              </a:schemeClr>
+            </a:gs>
+          </a:gsLst>
+          <a:path path="circle">
+            <a:fillToRect l="43000" r="43000" b="100000"/>
+          </a:path>
+        </a:gradFill>
+        <a:effectLst/>
+      </p:bgPr>
+    </p:bg>
+    <p:spTree>
+      <p:nvGrpSpPr>
+        <p:cNvPr id="1" name=""/>
+        <p:cNvGrpSpPr/>
+        <p:nvPr/>
+      </p:nvGrpSpPr>
+      <p:grpSpPr>
+        <a:xfrm>
+          <a:off x="0" y="0"/>
+          <a:ext cx="0" cy="0"/>
+          <a:chOff x="0" y="0"/>
+          <a:chExt cx="0" cy="0"/>
+        </a:xfrm>
+      </p:grpSpPr>
+      <p:sp>
+        <p:nvSpPr>
+          <p:cNvPr id="2" name="Title 1">
+            <a:extLst>
+              <a:ext uri="{FF2B5EF4-FFF2-40B4-BE49-F238E27FC236}">
                 <a16:creationId xmlns:a16="http://schemas.microsoft.com/office/drawing/2014/main" id="{753F6D91-5408-A112-40FA-DE1FD0AF6884}"/>
               </a:ext>
             </a:extLst>
@@ -5106,7 +5654,15 @@
           <a:p>
             <a:r>
               <a:rPr lang="en-US" dirty="0"/>
-              <a:t>The predictions of a regression tree are different from a linear regression – they are discreet. </a:t>
+              <a:t>The predictions of a regression tree are different from a linear regression – they are </a:t>
+            </a:r>
+            <a:r>
+              <a:rPr lang="en-US" b="1" dirty="0"/>
+              <a:t>discreet.</a:t>
+            </a:r>
+            <a:r>
+              <a:rPr lang="en-US" dirty="0"/>
+              <a:t> </a:t>
             </a:r>
           </a:p>
           <a:p>
@@ -5126,7 +5682,7 @@
           <a:p>
             <a:r>
               <a:rPr lang="en-US" dirty="0"/>
-              <a:t>Regression trees are limited:</a:t>
+              <a:t>Regression trees are limited by this:</a:t>
             </a:r>
           </a:p>
           <a:p>
@@ -5216,165 +5772,6 @@
 </p:sld>
 </file>
 
-<file path=ppt/slides/slide7.xml><?xml version="1.0" encoding="utf-8"?>
-<p:sld xmlns:a="http://schemas.openxmlformats.org/drawingml/2006/main" xmlns:r="http://schemas.openxmlformats.org/officeDocument/2006/relationships" xmlns:p="http://schemas.openxmlformats.org/presentationml/2006/main">
-  <p:cSld>
-    <p:spTree>
-      <p:nvGrpSpPr>
-        <p:cNvPr id="1" name=""/>
-        <p:cNvGrpSpPr/>
-        <p:nvPr/>
-      </p:nvGrpSpPr>
-      <p:grpSpPr>
-        <a:xfrm>
-          <a:off x="0" y="0"/>
-          <a:ext cx="0" cy="0"/>
-          <a:chOff x="0" y="0"/>
-          <a:chExt cx="0" cy="0"/>
-        </a:xfrm>
-      </p:grpSpPr>
-      <p:sp>
-        <p:nvSpPr>
-          <p:cNvPr id="2" name="Title 1">
-            <a:extLst>
-              <a:ext uri="{FF2B5EF4-FFF2-40B4-BE49-F238E27FC236}">
-                <a16:creationId xmlns:a16="http://schemas.microsoft.com/office/drawing/2014/main" id="{2A70F6A8-333C-1E4E-9722-94B644D1372E}"/>
-              </a:ext>
-            </a:extLst>
-          </p:cNvPr>
-          <p:cNvSpPr>
-            <a:spLocks noGrp="1"/>
-          </p:cNvSpPr>
-          <p:nvPr>
-            <p:ph type="title"/>
-          </p:nvPr>
-        </p:nvSpPr>
-        <p:spPr/>
-        <p:txBody>
-          <a:bodyPr/>
-          <a:lstStyle/>
-          <a:p>
-            <a:r>
-              <a:rPr lang="en-US" dirty="0"/>
-              <a:t>Extrapolation – Keep Going…</a:t>
-            </a:r>
-          </a:p>
-        </p:txBody>
-      </p:sp>
-      <p:sp>
-        <p:nvSpPr>
-          <p:cNvPr id="3" name="Content Placeholder 2">
-            <a:extLst>
-              <a:ext uri="{FF2B5EF4-FFF2-40B4-BE49-F238E27FC236}">
-                <a16:creationId xmlns:a16="http://schemas.microsoft.com/office/drawing/2014/main" id="{568795F1-9418-425F-8797-071FF3B0869C}"/>
-              </a:ext>
-            </a:extLst>
-          </p:cNvPr>
-          <p:cNvSpPr>
-            <a:spLocks noGrp="1"/>
-          </p:cNvSpPr>
-          <p:nvPr>
-            <p:ph idx="1"/>
-          </p:nvPr>
-        </p:nvSpPr>
-        <p:spPr>
-          <a:xfrm>
-            <a:off x="1451579" y="1853754"/>
-            <a:ext cx="9603275" cy="4277625"/>
-          </a:xfrm>
-        </p:spPr>
-        <p:txBody>
-          <a:bodyPr/>
-          <a:lstStyle/>
-          <a:p>
-            <a:r>
-              <a:rPr lang="en-US" dirty="0"/>
-              <a:t>The inability to extrapolate is one of the stat-y things we can notice in EDA. </a:t>
-            </a:r>
-          </a:p>
-          <a:p>
-            <a:pPr lvl="1"/>
-            <a:r>
-              <a:rPr lang="en-US" dirty="0"/>
-              <a:t>The properties of the data are going to impact the performance of models. </a:t>
-            </a:r>
-          </a:p>
-          <a:p>
-            <a:pPr lvl="1"/>
-            <a:r>
-              <a:rPr lang="en-US" dirty="0"/>
-              <a:t>We can only make predictions that are the mean of previous target results. </a:t>
-            </a:r>
-          </a:p>
-          <a:p>
-            <a:r>
-              <a:rPr lang="en-US" dirty="0"/>
-              <a:t>Scenario 1 - Predicting student performance in school. </a:t>
-            </a:r>
-          </a:p>
-          <a:p>
-            <a:pPr lvl="1"/>
-            <a:r>
-              <a:rPr lang="en-US" dirty="0"/>
-              <a:t>The range of the target is 0 to 100 (or 0-4 GPA), we have records all over that range. </a:t>
-            </a:r>
-          </a:p>
-          <a:p>
-            <a:r>
-              <a:rPr lang="en-US" dirty="0"/>
-              <a:t>Scenario 2 – Predicting total sales in dollars of a new car we developed. </a:t>
-            </a:r>
-          </a:p>
-          <a:p>
-            <a:pPr lvl="1"/>
-            <a:r>
-              <a:rPr lang="en-US" dirty="0"/>
-              <a:t>The range of the target is 0 to unknown. Our training data likely doesn’t blanket the range. </a:t>
-            </a:r>
-          </a:p>
-          <a:p>
-            <a:pPr lvl="1"/>
-            <a:r>
-              <a:rPr lang="en-US" dirty="0"/>
-              <a:t>Training data likely previous models, competitor cars, </a:t>
-            </a:r>
-            <a:r>
-              <a:rPr lang="en-US" dirty="0" err="1"/>
-              <a:t>etc</a:t>
-            </a:r>
-            <a:r>
-              <a:rPr lang="en-US" dirty="0"/>
-              <a:t>…</a:t>
-            </a:r>
-          </a:p>
-          <a:p>
-            <a:pPr lvl="1"/>
-            <a:r>
-              <a:rPr lang="en-US" dirty="0"/>
-              <a:t>If our car is a huge hit, we can’t predict “off the charts” results – linear regression could. </a:t>
-            </a:r>
-          </a:p>
-          <a:p>
-            <a:r>
-              <a:rPr lang="en-US" dirty="0"/>
-              <a:t>These types of things can help guide model choice, are often subtle to notice. </a:t>
-            </a:r>
-          </a:p>
-        </p:txBody>
-      </p:sp>
-    </p:spTree>
-    <p:extLst>
-      <p:ext uri="{BB962C8B-B14F-4D97-AF65-F5344CB8AC3E}">
-        <p14:creationId xmlns:p14="http://schemas.microsoft.com/office/powerpoint/2010/main" val="2064051381"/>
-      </p:ext>
-    </p:extLst>
-  </p:cSld>
-  <p:clrMapOvr>
-    <a:masterClrMapping/>
-  </p:clrMapOvr>
-</p:sld>
-</file>
-
 <file path=ppt/slides/slide8.xml><?xml version="1.0" encoding="utf-8"?>
 <p:sld xmlns:a="http://schemas.openxmlformats.org/drawingml/2006/main" xmlns:r="http://schemas.openxmlformats.org/officeDocument/2006/relationships" xmlns:p="http://schemas.openxmlformats.org/presentationml/2006/main">
   <p:cSld>
@@ -5397,7 +5794,7 @@
           <p:cNvPr id="2" name="Title 1">
             <a:extLst>
               <a:ext uri="{FF2B5EF4-FFF2-40B4-BE49-F238E27FC236}">
-                <a16:creationId xmlns:a16="http://schemas.microsoft.com/office/drawing/2014/main" id="{CC1ABE87-C58C-2321-9F50-E9E6BD5C3A04}"/>
+                <a16:creationId xmlns:a16="http://schemas.microsoft.com/office/drawing/2014/main" id="{E9B97B7D-64A6-E674-2B45-9A1E40A89BEC}"/>
               </a:ext>
             </a:extLst>
           </p:cNvPr>
@@ -5415,7 +5812,7 @@
           <a:p>
             <a:r>
               <a:rPr lang="en-US" dirty="0"/>
-              <a:t>Another example</a:t>
+              <a:t>Non-Linear Relationships</a:t>
             </a:r>
           </a:p>
         </p:txBody>
@@ -5425,7 +5822,7 @@
           <p:cNvPr id="3" name="Content Placeholder 2">
             <a:extLst>
               <a:ext uri="{FF2B5EF4-FFF2-40B4-BE49-F238E27FC236}">
-                <a16:creationId xmlns:a16="http://schemas.microsoft.com/office/drawing/2014/main" id="{73E55EE0-13E5-0302-E480-B086A621C840}"/>
+                <a16:creationId xmlns:a16="http://schemas.microsoft.com/office/drawing/2014/main" id="{BC5B9DF4-781A-37CB-8175-A8D30FC2940A}"/>
               </a:ext>
             </a:extLst>
           </p:cNvPr>
@@ -5436,41 +5833,21 @@
             <p:ph idx="1"/>
           </p:nvPr>
         </p:nvSpPr>
-        <p:spPr>
-          <a:xfrm>
-            <a:off x="1451579" y="1853754"/>
-            <a:ext cx="9603275" cy="1780767"/>
-          </a:xfrm>
-        </p:spPr>
-        <p:txBody>
-          <a:bodyPr/>
-          <a:lstStyle/>
-          <a:p>
-            <a:r>
-              <a:rPr lang="en-US" dirty="0"/>
-              <a:t>We’ll explore this more when we hit SVM’s, but data-model matching (kind of) matters. </a:t>
-            </a:r>
-          </a:p>
-          <a:p>
-            <a:r>
-              <a:rPr lang="en-US" dirty="0"/>
-              <a:t>Trees can adapt to data on the right, but can’t project to data outside its inputs. </a:t>
-            </a:r>
-          </a:p>
-          <a:p>
-            <a:r>
-              <a:rPr lang="en-US" dirty="0"/>
-              <a:t>Data exploration/stats knowledge can initially guide this, then performance can finish it. </a:t>
-            </a:r>
+        <p:spPr/>
+        <p:txBody>
+          <a:bodyPr/>
+          <a:lstStyle/>
+          <a:p>
+            <a:endParaRPr lang="en-US"/>
           </a:p>
         </p:txBody>
       </p:sp>
       <p:pic>
         <p:nvPicPr>
-          <p:cNvPr id="6146" name="Picture 2" descr="Decision Tree Regression in 6 Steps with Python | by Samet Girgin |  PursuitOfData | Medium">
+          <p:cNvPr id="1026" name="Picture 2" descr="Regression Tree vs Linear Regression – QUANTIFYING HEALTH">
             <a:extLst>
               <a:ext uri="{FF2B5EF4-FFF2-40B4-BE49-F238E27FC236}">
-                <a16:creationId xmlns:a16="http://schemas.microsoft.com/office/drawing/2014/main" id="{D2D42556-C59B-A755-15A2-AA49E782B097}"/>
+                <a16:creationId xmlns:a16="http://schemas.microsoft.com/office/drawing/2014/main" id="{CA53144A-1ECC-C04B-1F3F-039C090927CC}"/>
               </a:ext>
             </a:extLst>
           </p:cNvPr>
@@ -5494,8 +5871,8 @@
         </p:blipFill>
         <p:spPr bwMode="auto">
           <a:xfrm>
-            <a:off x="2192568" y="3634521"/>
-            <a:ext cx="7806864" cy="3223479"/>
+            <a:off x="118327" y="2015732"/>
+            <a:ext cx="6134889" cy="3828968"/>
           </a:xfrm>
           <a:prstGeom prst="rect">
             <a:avLst/>
@@ -5512,10 +5889,55 @@
           </a:extLst>
         </p:spPr>
       </p:pic>
+      <p:pic>
+        <p:nvPicPr>
+          <p:cNvPr id="1028" name="Picture 4" descr="How Exactly Does a Decision Tree Solve a Regression Problem? | by Gurjinder  Kaur | Towards Data Science">
+            <a:extLst>
+              <a:ext uri="{FF2B5EF4-FFF2-40B4-BE49-F238E27FC236}">
+                <a16:creationId xmlns:a16="http://schemas.microsoft.com/office/drawing/2014/main" id="{2523345E-03E1-7530-A524-23BC315B04F4}"/>
+              </a:ext>
+            </a:extLst>
+          </p:cNvPr>
+          <p:cNvPicPr>
+            <a:picLocks noChangeAspect="1" noChangeArrowheads="1"/>
+          </p:cNvPicPr>
+          <p:nvPr/>
+        </p:nvPicPr>
+        <p:blipFill rotWithShape="1">
+          <a:blip r:embed="rId3">
+            <a:extLst>
+              <a:ext uri="{28A0092B-C50C-407E-A947-70E740481C1C}">
+                <a14:useLocalDpi xmlns:a14="http://schemas.microsoft.com/office/drawing/2010/main" val="0"/>
+              </a:ext>
+            </a:extLst>
+          </a:blip>
+          <a:srcRect r="19322"/>
+          <a:stretch/>
+        </p:blipFill>
+        <p:spPr bwMode="auto">
+          <a:xfrm>
+            <a:off x="6253216" y="2015732"/>
+            <a:ext cx="5804876" cy="3828968"/>
+          </a:xfrm>
+          <a:prstGeom prst="rect">
+            <a:avLst/>
+          </a:prstGeom>
+          <a:noFill/>
+          <a:extLst>
+            <a:ext uri="{909E8E84-426E-40DD-AFC4-6F175D3DCCD1}">
+              <a14:hiddenFill xmlns:a14="http://schemas.microsoft.com/office/drawing/2010/main">
+                <a:solidFill>
+                  <a:srgbClr val="FFFFFF"/>
+                </a:solidFill>
+              </a14:hiddenFill>
+            </a:ext>
+          </a:extLst>
+        </p:spPr>
+      </p:pic>
     </p:spTree>
     <p:extLst>
       <p:ext uri="{BB962C8B-B14F-4D97-AF65-F5344CB8AC3E}">
-        <p14:creationId xmlns:p14="http://schemas.microsoft.com/office/powerpoint/2010/main" val="530994044"/>
+        <p14:creationId xmlns:p14="http://schemas.microsoft.com/office/powerpoint/2010/main" val="619094655"/>
       </p:ext>
     </p:extLst>
   </p:cSld>
@@ -5547,7 +5969,7 @@
           <p:cNvPr id="2" name="Title 1">
             <a:extLst>
               <a:ext uri="{FF2B5EF4-FFF2-40B4-BE49-F238E27FC236}">
-                <a16:creationId xmlns:a16="http://schemas.microsoft.com/office/drawing/2014/main" id="{002110EF-ECA5-B706-9E48-937B4A15BF8D}"/>
+                <a16:creationId xmlns:a16="http://schemas.microsoft.com/office/drawing/2014/main" id="{2A70F6A8-333C-1E4E-9722-94B644D1372E}"/>
               </a:ext>
             </a:extLst>
           </p:cNvPr>
@@ -5565,7 +5987,7 @@
           <a:p>
             <a:r>
               <a:rPr lang="en-US" dirty="0"/>
-              <a:t>Regression Tree Fits</a:t>
+              <a:t>Extrapolation – Keep Going…</a:t>
             </a:r>
           </a:p>
         </p:txBody>
@@ -5575,7 +5997,7 @@
           <p:cNvPr id="3" name="Content Placeholder 2">
             <a:extLst>
               <a:ext uri="{FF2B5EF4-FFF2-40B4-BE49-F238E27FC236}">
-                <a16:creationId xmlns:a16="http://schemas.microsoft.com/office/drawing/2014/main" id="{9E7B4BE1-5C3F-C8F1-6BBF-E36371763D36}"/>
+                <a16:creationId xmlns:a16="http://schemas.microsoft.com/office/drawing/2014/main" id="{568795F1-9418-425F-8797-071FF3B0869C}"/>
               </a:ext>
             </a:extLst>
           </p:cNvPr>
@@ -5589,84 +6011,92 @@
         <p:spPr>
           <a:xfrm>
             <a:off x="1451579" y="1853754"/>
-            <a:ext cx="9603275" cy="1724471"/>
-          </a:xfrm>
-        </p:spPr>
-        <p:txBody>
-          <a:bodyPr/>
-          <a:lstStyle/>
-          <a:p>
-            <a:r>
-              <a:rPr lang="en-US" dirty="0"/>
-              <a:t>Like a classification tree, regression trees will overfit without limits. </a:t>
+            <a:ext cx="9603275" cy="4277625"/>
+          </a:xfrm>
+        </p:spPr>
+        <p:txBody>
+          <a:bodyPr/>
+          <a:lstStyle/>
+          <a:p>
+            <a:r>
+              <a:rPr lang="en-US" dirty="0"/>
+              <a:t>The inability to extrapolate is one of the stat-y things we can notice in EDA. </a:t>
             </a:r>
           </a:p>
           <a:p>
             <a:pPr lvl="1"/>
             <a:r>
               <a:rPr lang="en-US" dirty="0"/>
-              <a:t>For regression, that can mean one node per output value (i.e. the model gets MSE to 0)</a:t>
-            </a:r>
-          </a:p>
-          <a:p>
-            <a:r>
-              <a:rPr lang="en-US" dirty="0"/>
-              <a:t>Anti-overfitting things like HP limits, pruning, or forests are maybe more important here. </a:t>
-            </a:r>
-          </a:p>
-        </p:txBody>
-      </p:sp>
-      <p:pic>
-        <p:nvPicPr>
-          <p:cNvPr id="5122" name="Picture 2" descr="Does Bagging Help to Prevent Overfitting in Decision Trees? | by Gurjinder  Kaur | Dec, 2023 | Towards Data Science">
-            <a:extLst>
-              <a:ext uri="{FF2B5EF4-FFF2-40B4-BE49-F238E27FC236}">
-                <a16:creationId xmlns:a16="http://schemas.microsoft.com/office/drawing/2014/main" id="{5D352D8A-1DDF-8F5E-C6DB-4990F3AA3009}"/>
-              </a:ext>
-            </a:extLst>
-          </p:cNvPr>
-          <p:cNvPicPr>
-            <a:picLocks noChangeAspect="1" noChangeArrowheads="1"/>
-          </p:cNvPicPr>
-          <p:nvPr/>
-        </p:nvPicPr>
-        <p:blipFill>
-          <a:blip r:embed="rId2">
-            <a:extLst>
-              <a:ext uri="{28A0092B-C50C-407E-A947-70E740481C1C}">
-                <a14:useLocalDpi xmlns:a14="http://schemas.microsoft.com/office/drawing/2010/main" val="0"/>
-              </a:ext>
-            </a:extLst>
-          </a:blip>
-          <a:srcRect/>
-          <a:stretch>
-            <a:fillRect/>
-          </a:stretch>
-        </p:blipFill>
-        <p:spPr bwMode="auto">
-          <a:xfrm>
-            <a:off x="0" y="3578225"/>
-            <a:ext cx="12192000" cy="3279775"/>
-          </a:xfrm>
-          <a:prstGeom prst="rect">
-            <a:avLst/>
-          </a:prstGeom>
-          <a:noFill/>
-          <a:extLst>
-            <a:ext uri="{909E8E84-426E-40DD-AFC4-6F175D3DCCD1}">
-              <a14:hiddenFill xmlns:a14="http://schemas.microsoft.com/office/drawing/2010/main">
-                <a:solidFill>
-                  <a:srgbClr val="FFFFFF"/>
-                </a:solidFill>
-              </a14:hiddenFill>
-            </a:ext>
-          </a:extLst>
-        </p:spPr>
-      </p:pic>
+              <a:t>The properties of the data are going to impact the performance of models. </a:t>
+            </a:r>
+          </a:p>
+          <a:p>
+            <a:pPr lvl="1"/>
+            <a:r>
+              <a:rPr lang="en-US" dirty="0"/>
+              <a:t>We can only make predictions that are the mean of previous target results. </a:t>
+            </a:r>
+          </a:p>
+          <a:p>
+            <a:r>
+              <a:rPr lang="en-US" dirty="0"/>
+              <a:t>Scenario 1 - Predicting student performance in school. </a:t>
+            </a:r>
+          </a:p>
+          <a:p>
+            <a:pPr lvl="1"/>
+            <a:r>
+              <a:rPr lang="en-US" dirty="0"/>
+              <a:t>The range of the target is 0 to 100 (or 0-4 GPA), we have records all over that range. </a:t>
+            </a:r>
+          </a:p>
+          <a:p>
+            <a:r>
+              <a:rPr lang="en-US" dirty="0"/>
+              <a:t>Scenario 2 – Predicting total sales in dollars of a new car we developed. </a:t>
+            </a:r>
+          </a:p>
+          <a:p>
+            <a:pPr lvl="1"/>
+            <a:r>
+              <a:rPr lang="en-US" dirty="0"/>
+              <a:t>The range of the target is 0 to unknown. Our training data likely doesn’t blanket the range. </a:t>
+            </a:r>
+          </a:p>
+          <a:p>
+            <a:pPr lvl="1"/>
+            <a:r>
+              <a:rPr lang="en-US" dirty="0"/>
+              <a:t>Training data likely previous models, competitor cars, </a:t>
+            </a:r>
+            <a:r>
+              <a:rPr lang="en-US" dirty="0" err="1"/>
+              <a:t>etc</a:t>
+            </a:r>
+            <a:r>
+              <a:rPr lang="en-US" dirty="0"/>
+              <a:t>…</a:t>
+            </a:r>
+          </a:p>
+          <a:p>
+            <a:pPr lvl="1"/>
+            <a:r>
+              <a:rPr lang="en-US" dirty="0"/>
+              <a:t>If our car is a huge hit, we can’t predict “off the charts” results – linear regression could. </a:t>
+            </a:r>
+          </a:p>
+          <a:p>
+            <a:r>
+              <a:rPr lang="en-US" dirty="0"/>
+              <a:t>These types of things can help guide model choice, are often subtle to notice. </a:t>
+            </a:r>
+          </a:p>
+        </p:txBody>
+      </p:sp>
     </p:spTree>
     <p:extLst>
       <p:ext uri="{BB962C8B-B14F-4D97-AF65-F5344CB8AC3E}">
-        <p14:creationId xmlns:p14="http://schemas.microsoft.com/office/powerpoint/2010/main" val="3159144772"/>
+        <p14:creationId xmlns:p14="http://schemas.microsoft.com/office/powerpoint/2010/main" val="2064051381"/>
       </p:ext>
     </p:extLst>
   </p:cSld>

--- a/reference_content/Slides/006_regression_trees.pptx
+++ b/reference_content/Slides/006_regression_trees.pptx
@@ -6,20 +6,25 @@
   </p:sldMasterIdLst>
   <p:sldIdLst>
     <p:sldId id="257" r:id="rId2"/>
-    <p:sldId id="256" r:id="rId3"/>
-    <p:sldId id="258" r:id="rId4"/>
-    <p:sldId id="268" r:id="rId5"/>
-    <p:sldId id="259" r:id="rId6"/>
-    <p:sldId id="260" r:id="rId7"/>
-    <p:sldId id="261" r:id="rId8"/>
-    <p:sldId id="269" r:id="rId9"/>
-    <p:sldId id="264" r:id="rId10"/>
-    <p:sldId id="267" r:id="rId11"/>
-    <p:sldId id="262" r:id="rId12"/>
-    <p:sldId id="270" r:id="rId13"/>
-    <p:sldId id="265" r:id="rId14"/>
-    <p:sldId id="266" r:id="rId15"/>
-    <p:sldId id="263" r:id="rId16"/>
+    <p:sldId id="271" r:id="rId3"/>
+    <p:sldId id="256" r:id="rId4"/>
+    <p:sldId id="258" r:id="rId5"/>
+    <p:sldId id="268" r:id="rId6"/>
+    <p:sldId id="259" r:id="rId7"/>
+    <p:sldId id="260" r:id="rId8"/>
+    <p:sldId id="261" r:id="rId9"/>
+    <p:sldId id="269" r:id="rId10"/>
+    <p:sldId id="264" r:id="rId11"/>
+    <p:sldId id="267" r:id="rId12"/>
+    <p:sldId id="262" r:id="rId13"/>
+    <p:sldId id="270" r:id="rId14"/>
+    <p:sldId id="272" r:id="rId15"/>
+    <p:sldId id="273" r:id="rId16"/>
+    <p:sldId id="274" r:id="rId17"/>
+    <p:sldId id="265" r:id="rId18"/>
+    <p:sldId id="266" r:id="rId19"/>
+    <p:sldId id="263" r:id="rId20"/>
+    <p:sldId id="275" r:id="rId21"/>
   </p:sldIdLst>
   <p:sldSz cx="12192000" cy="6858000"/>
   <p:notesSz cx="6858000" cy="9144000"/>
@@ -3685,8 +3690,8 @@
         </p:nvSpPr>
         <p:spPr>
           <a:xfrm>
-            <a:off x="1183821" y="1951264"/>
-            <a:ext cx="10148208" cy="4102217"/>
+            <a:off x="609600" y="1853754"/>
+            <a:ext cx="11340661" cy="4199727"/>
           </a:xfrm>
         </p:spPr>
         <p:txBody>
@@ -3702,21 +3707,63 @@
             <a:pPr lvl="1"/>
             <a:r>
               <a:rPr lang="en-US" dirty="0"/>
-              <a:t>Regression trees. </a:t>
+              <a:t>Regression trees (in the decision tree parts of </a:t>
+            </a:r>
+            <a:r>
+              <a:rPr lang="en-US" dirty="0" err="1"/>
+              <a:t>ch</a:t>
+            </a:r>
+            <a:r>
+              <a:rPr lang="en-US" dirty="0"/>
+              <a:t> 2 of text, there’s not lots on regression specifically)</a:t>
+            </a:r>
+          </a:p>
+          <a:p>
+            <a:r>
+              <a:rPr lang="en-US" dirty="0"/>
+              <a:t>Depending on time, possibly stochastic gradient descent. </a:t>
             </a:r>
           </a:p>
           <a:p>
             <a:pPr lvl="1"/>
             <a:r>
               <a:rPr lang="en-US" dirty="0"/>
-              <a:t>Tree pruning. </a:t>
+              <a:t>Probably not, this is a natural split point. If you guys demand it and threaten me if we don’t do gradient descent, then we will. </a:t>
+            </a:r>
+          </a:p>
+          <a:p>
+            <a:r>
+              <a:rPr lang="en-US" dirty="0"/>
+              <a:t>Assignment submission note:</a:t>
             </a:r>
           </a:p>
           <a:p>
             <a:pPr lvl="1"/>
             <a:r>
               <a:rPr lang="en-US" dirty="0"/>
-              <a:t>Depending on time, possibly stochastic gradient descent. </a:t>
+              <a:t>I can get your submission from GitHub (assuming you clicked the classroom link). </a:t>
+            </a:r>
+          </a:p>
+          <a:p>
+            <a:pPr lvl="1"/>
+            <a:r>
+              <a:rPr lang="en-US" dirty="0"/>
+              <a:t>I extended the due date a bit – if you need some practice, use this time; if not, get it done. As you do… </a:t>
+            </a:r>
+          </a:p>
+          <a:p>
+            <a:pPr lvl="1"/>
+            <a:r>
+              <a:rPr lang="en-US" b="1" dirty="0"/>
+              <a:t>In Brightspace, please submit your </a:t>
+            </a:r>
+            <a:r>
+              <a:rPr lang="en-US" b="1" dirty="0" err="1"/>
+              <a:t>github</a:t>
+            </a:r>
+            <a:r>
+              <a:rPr lang="en-US" b="1" dirty="0"/>
+              <a:t> username in the assignment, when I get that, I’ll mark it. </a:t>
             </a:r>
           </a:p>
         </p:txBody>
@@ -3756,6 +3803,165 @@
           <p:cNvPr id="2" name="Title 1">
             <a:extLst>
               <a:ext uri="{FF2B5EF4-FFF2-40B4-BE49-F238E27FC236}">
+                <a16:creationId xmlns:a16="http://schemas.microsoft.com/office/drawing/2014/main" id="{2A70F6A8-333C-1E4E-9722-94B644D1372E}"/>
+              </a:ext>
+            </a:extLst>
+          </p:cNvPr>
+          <p:cNvSpPr>
+            <a:spLocks noGrp="1"/>
+          </p:cNvSpPr>
+          <p:nvPr>
+            <p:ph type="title"/>
+          </p:nvPr>
+        </p:nvSpPr>
+        <p:spPr/>
+        <p:txBody>
+          <a:bodyPr/>
+          <a:lstStyle/>
+          <a:p>
+            <a:r>
+              <a:rPr lang="en-US" dirty="0"/>
+              <a:t>Go Back to Extrapolation – Keep Going…</a:t>
+            </a:r>
+          </a:p>
+        </p:txBody>
+      </p:sp>
+      <p:sp>
+        <p:nvSpPr>
+          <p:cNvPr id="3" name="Content Placeholder 2">
+            <a:extLst>
+              <a:ext uri="{FF2B5EF4-FFF2-40B4-BE49-F238E27FC236}">
+                <a16:creationId xmlns:a16="http://schemas.microsoft.com/office/drawing/2014/main" id="{568795F1-9418-425F-8797-071FF3B0869C}"/>
+              </a:ext>
+            </a:extLst>
+          </p:cNvPr>
+          <p:cNvSpPr>
+            <a:spLocks noGrp="1"/>
+          </p:cNvSpPr>
+          <p:nvPr>
+            <p:ph idx="1"/>
+          </p:nvPr>
+        </p:nvSpPr>
+        <p:spPr>
+          <a:xfrm>
+            <a:off x="1451579" y="1853754"/>
+            <a:ext cx="9603275" cy="4277625"/>
+          </a:xfrm>
+        </p:spPr>
+        <p:txBody>
+          <a:bodyPr/>
+          <a:lstStyle/>
+          <a:p>
+            <a:r>
+              <a:rPr lang="en-US" dirty="0"/>
+              <a:t>The inability to extrapolate is one of the stat-y things we can notice in EDA. </a:t>
+            </a:r>
+          </a:p>
+          <a:p>
+            <a:pPr lvl="1"/>
+            <a:r>
+              <a:rPr lang="en-US" dirty="0"/>
+              <a:t>The properties of the data are going to impact the performance of models. </a:t>
+            </a:r>
+          </a:p>
+          <a:p>
+            <a:pPr lvl="1"/>
+            <a:r>
+              <a:rPr lang="en-US" dirty="0"/>
+              <a:t>We can only make predictions that are the mean of previous target results. </a:t>
+            </a:r>
+          </a:p>
+          <a:p>
+            <a:r>
+              <a:rPr lang="en-US" dirty="0"/>
+              <a:t>Scenario 1 - Predicting student performance in school. </a:t>
+            </a:r>
+          </a:p>
+          <a:p>
+            <a:pPr lvl="1"/>
+            <a:r>
+              <a:rPr lang="en-US" dirty="0"/>
+              <a:t>The range of the target is 0 to 100 (or 0-4 GPA), we have records all over that range. </a:t>
+            </a:r>
+          </a:p>
+          <a:p>
+            <a:r>
+              <a:rPr lang="en-US" dirty="0"/>
+              <a:t>Scenario 2 – Predicting total sales in dollars of a new car we developed. </a:t>
+            </a:r>
+          </a:p>
+          <a:p>
+            <a:pPr lvl="1"/>
+            <a:r>
+              <a:rPr lang="en-US" dirty="0"/>
+              <a:t>The range of the target is 0 to unknown. Our training data likely doesn’t blanket the range. </a:t>
+            </a:r>
+          </a:p>
+          <a:p>
+            <a:pPr lvl="1"/>
+            <a:r>
+              <a:rPr lang="en-US" dirty="0"/>
+              <a:t>Training data likely previous models, competitor cars, </a:t>
+            </a:r>
+            <a:r>
+              <a:rPr lang="en-US" dirty="0" err="1"/>
+              <a:t>etc</a:t>
+            </a:r>
+            <a:r>
+              <a:rPr lang="en-US" dirty="0"/>
+              <a:t>…</a:t>
+            </a:r>
+          </a:p>
+          <a:p>
+            <a:pPr lvl="1"/>
+            <a:r>
+              <a:rPr lang="en-US" dirty="0"/>
+              <a:t>If our car is a huge hit, we can’t predict “off the charts” results – linear regression could. </a:t>
+            </a:r>
+          </a:p>
+          <a:p>
+            <a:r>
+              <a:rPr lang="en-US" dirty="0"/>
+              <a:t>These types of things can help guide model choice, are often subtle to notice. </a:t>
+            </a:r>
+          </a:p>
+        </p:txBody>
+      </p:sp>
+    </p:spTree>
+    <p:extLst>
+      <p:ext uri="{BB962C8B-B14F-4D97-AF65-F5344CB8AC3E}">
+        <p14:creationId xmlns:p14="http://schemas.microsoft.com/office/powerpoint/2010/main" val="2064051381"/>
+      </p:ext>
+    </p:extLst>
+  </p:cSld>
+  <p:clrMapOvr>
+    <a:masterClrMapping/>
+  </p:clrMapOvr>
+</p:sld>
+</file>
+
+<file path=ppt/slides/slide11.xml><?xml version="1.0" encoding="utf-8"?>
+<p:sld xmlns:a="http://schemas.openxmlformats.org/drawingml/2006/main" xmlns:r="http://schemas.openxmlformats.org/officeDocument/2006/relationships" xmlns:p="http://schemas.openxmlformats.org/presentationml/2006/main">
+  <p:cSld>
+    <p:spTree>
+      <p:nvGrpSpPr>
+        <p:cNvPr id="1" name=""/>
+        <p:cNvGrpSpPr/>
+        <p:nvPr/>
+      </p:nvGrpSpPr>
+      <p:grpSpPr>
+        <a:xfrm>
+          <a:off x="0" y="0"/>
+          <a:ext cx="0" cy="0"/>
+          <a:chOff x="0" y="0"/>
+          <a:chExt cx="0" cy="0"/>
+        </a:xfrm>
+      </p:grpSpPr>
+      <p:sp>
+        <p:nvSpPr>
+          <p:cNvPr id="2" name="Title 1">
+            <a:extLst>
+              <a:ext uri="{FF2B5EF4-FFF2-40B4-BE49-F238E27FC236}">
                 <a16:creationId xmlns:a16="http://schemas.microsoft.com/office/drawing/2014/main" id="{CC1ABE87-C58C-2321-9F50-E9E6BD5C3A04}"/>
               </a:ext>
             </a:extLst>
@@ -3884,7 +4090,7 @@
 </p:sld>
 </file>
 
-<file path=ppt/slides/slide11.xml><?xml version="1.0" encoding="utf-8"?>
+<file path=ppt/slides/slide12.xml><?xml version="1.0" encoding="utf-8"?>
 <p:sld xmlns:a="http://schemas.openxmlformats.org/drawingml/2006/main" xmlns:r="http://schemas.openxmlformats.org/officeDocument/2006/relationships" xmlns:p="http://schemas.openxmlformats.org/presentationml/2006/main">
   <p:cSld>
     <p:spTree>
@@ -3964,7 +4170,7 @@
             <a:pPr lvl="1"/>
             <a:r>
               <a:rPr lang="en-US" dirty="0"/>
-              <a:t>For regression, that can mean one node per output value (i.e. the model gets MSE to 0)</a:t>
+              <a:t>For regression, that can mean one node per output value (i.e. the model gets MSE near 0)</a:t>
             </a:r>
           </a:p>
           <a:p>
@@ -4035,7 +4241,7 @@
 </p:sld>
 </file>
 
-<file path=ppt/slides/slide12.xml><?xml version="1.0" encoding="utf-8"?>
+<file path=ppt/slides/slide13.xml><?xml version="1.0" encoding="utf-8"?>
 <p:sld xmlns:a="http://schemas.openxmlformats.org/drawingml/2006/main" xmlns:r="http://schemas.openxmlformats.org/officeDocument/2006/relationships" xmlns:p="http://schemas.openxmlformats.org/presentationml/2006/main">
   <p:cSld>
     <p:spTree>
@@ -4074,10 +4280,9 @@
           <a:lstStyle/>
           <a:p>
             <a:r>
-              <a:rPr lang="en-US"/>
+              <a:rPr lang="en-US" dirty="0"/>
               <a:t>Overfits – Extreme ‘Jumps’</a:t>
             </a:r>
-            <a:endParaRPr lang="en-US" dirty="0"/>
           </a:p>
         </p:txBody>
       </p:sp>
@@ -4213,7 +4418,7 @@
 </p:sld>
 </file>
 
-<file path=ppt/slides/slide13.xml><?xml version="1.0" encoding="utf-8"?>
+<file path=ppt/slides/slide14.xml><?xml version="1.0" encoding="utf-8"?>
 <p:sld xmlns:a="http://schemas.openxmlformats.org/drawingml/2006/main" xmlns:r="http://schemas.openxmlformats.org/officeDocument/2006/relationships" xmlns:p="http://schemas.openxmlformats.org/presentationml/2006/main">
   <p:cSld>
     <p:bg>
@@ -4259,7 +4464,7 @@
           <p:cNvPr id="2" name="Title 1">
             <a:extLst>
               <a:ext uri="{FF2B5EF4-FFF2-40B4-BE49-F238E27FC236}">
-                <a16:creationId xmlns:a16="http://schemas.microsoft.com/office/drawing/2014/main" id="{EAE5C7F8-0548-DEE1-5910-1154C1080B7A}"/>
+                <a16:creationId xmlns:a16="http://schemas.microsoft.com/office/drawing/2014/main" id="{6A16F896-8873-B366-07D5-02CCF3BB8569}"/>
               </a:ext>
             </a:extLst>
           </p:cNvPr>
@@ -4284,7 +4489,7 @@
           <a:p>
             <a:r>
               <a:rPr lang="en-US" dirty="0"/>
-              <a:t>Cost Complexity Pruning</a:t>
+              <a:t>Fit Errors in Regression Trees</a:t>
             </a:r>
           </a:p>
         </p:txBody>
@@ -4294,7 +4499,7 @@
           <p:cNvPr id="3" name="Content Placeholder 2">
             <a:extLst>
               <a:ext uri="{FF2B5EF4-FFF2-40B4-BE49-F238E27FC236}">
-                <a16:creationId xmlns:a16="http://schemas.microsoft.com/office/drawing/2014/main" id="{B3156321-0935-3705-322E-B3F7F19DE26E}"/>
+                <a16:creationId xmlns:a16="http://schemas.microsoft.com/office/drawing/2014/main" id="{E3F98828-6DAA-AEBA-A090-A13D1989E400}"/>
               </a:ext>
             </a:extLst>
           </p:cNvPr>
@@ -4307,324 +4512,125 @@
         </p:nvSpPr>
         <p:spPr>
           <a:xfrm>
-            <a:off x="57150" y="1853752"/>
-            <a:ext cx="6291633" cy="4261298"/>
+            <a:off x="6680410" y="1853754"/>
+            <a:ext cx="5511589" cy="4199727"/>
           </a:xfrm>
         </p:spPr>
         <p:txBody>
           <a:bodyPr>
-            <a:normAutofit/>
+            <a:normAutofit fontScale="92500"/>
           </a:bodyPr>
           <a:lstStyle/>
           <a:p>
-            <a:pPr>
-              <a:lnSpc>
-                <a:spcPct val="110000"/>
-              </a:lnSpc>
-            </a:pPr>
-            <a:r>
-              <a:rPr lang="en-US" dirty="0"/>
-              <a:t>When looking at classification trees we saw pruning.</a:t>
-            </a:r>
-          </a:p>
-          <a:p>
-            <a:pPr>
-              <a:lnSpc>
-                <a:spcPct val="110000"/>
-              </a:lnSpc>
-            </a:pPr>
-            <a:r>
-              <a:rPr lang="en-US" dirty="0"/>
-              <a:t>Pruning is a form of regularization – a technique to reduce variance in a model. </a:t>
-            </a:r>
-          </a:p>
-          <a:p>
-            <a:pPr>
-              <a:lnSpc>
-                <a:spcPct val="110000"/>
-              </a:lnSpc>
-            </a:pPr>
-            <a:r>
-              <a:rPr lang="en-US" dirty="0"/>
-              <a:t>Regularization adds a ‘penalty’ term to the cost. </a:t>
-            </a:r>
-          </a:p>
-          <a:p>
-            <a:pPr lvl="1">
-              <a:lnSpc>
-                <a:spcPct val="110000"/>
-              </a:lnSpc>
-            </a:pPr>
-            <a:r>
-              <a:rPr lang="en-US" dirty="0"/>
-              <a:t>Instead of minimizing cost, minimize cost + penalty. </a:t>
-            </a:r>
-          </a:p>
-          <a:p>
-            <a:pPr lvl="1">
-              <a:lnSpc>
-                <a:spcPct val="110000"/>
-              </a:lnSpc>
-            </a:pPr>
-            <a:r>
-              <a:rPr lang="en-US" dirty="0"/>
-              <a:t>The penalty here is a ([HP constant] * [# leaf nodes]). </a:t>
-            </a:r>
-          </a:p>
-          <a:p>
-            <a:pPr lvl="1">
-              <a:lnSpc>
-                <a:spcPct val="110000"/>
-              </a:lnSpc>
-            </a:pPr>
-            <a:r>
-              <a:rPr lang="en-US" dirty="0"/>
-              <a:t>Acts to increase the cost as the tree grows larger. </a:t>
-            </a:r>
-          </a:p>
-          <a:p>
-            <a:pPr>
-              <a:lnSpc>
-                <a:spcPct val="110000"/>
-              </a:lnSpc>
-            </a:pPr>
-            <a:r>
-              <a:rPr lang="en-US" dirty="0"/>
-              <a:t>For the tree to grow, the cost needs to shrink enough:</a:t>
-            </a:r>
-          </a:p>
-          <a:p>
-            <a:pPr lvl="1">
-              <a:lnSpc>
-                <a:spcPct val="110000"/>
-              </a:lnSpc>
-            </a:pPr>
-            <a:r>
-              <a:rPr lang="en-US" dirty="0"/>
-              <a:t>In a normal tree, any improvement will make a split. </a:t>
-            </a:r>
-          </a:p>
-          <a:p>
-            <a:pPr lvl="1">
-              <a:lnSpc>
-                <a:spcPct val="110000"/>
-              </a:lnSpc>
-            </a:pPr>
-            <a:r>
-              <a:rPr lang="en-US" dirty="0"/>
-              <a:t>With pruning, improvements need to exceed the penalty. </a:t>
+            <a:r>
+              <a:rPr lang="en-US" dirty="0"/>
+              <a:t>Reg. trees can make over/underfits explicit. </a:t>
+            </a:r>
+          </a:p>
+          <a:p>
+            <a:r>
+              <a:rPr lang="en-US" dirty="0"/>
+              <a:t>Underfit (bias error):</a:t>
+            </a:r>
+          </a:p>
+          <a:p>
+            <a:pPr lvl="1"/>
+            <a:r>
+              <a:rPr lang="en-US" dirty="0"/>
+              <a:t>Model can’t learn enough, is too gen.</a:t>
+            </a:r>
+          </a:p>
+          <a:p>
+            <a:pPr lvl="1"/>
+            <a:r>
+              <a:rPr lang="en-US" dirty="0"/>
+              <a:t>Model can’t split nodes to red. error where it could.</a:t>
+            </a:r>
+          </a:p>
+          <a:p>
+            <a:r>
+              <a:rPr lang="en-US" dirty="0"/>
+              <a:t>Overfit (variance error):</a:t>
+            </a:r>
+          </a:p>
+          <a:p>
+            <a:pPr lvl="1"/>
+            <a:r>
+              <a:rPr lang="en-US" dirty="0"/>
+              <a:t>Model learned too much, isn’t generalizable. </a:t>
+            </a:r>
+          </a:p>
+          <a:p>
+            <a:pPr lvl="1"/>
+            <a:r>
+              <a:rPr lang="en-US" dirty="0"/>
+              <a:t>Model could split too much to avoid error. </a:t>
+            </a:r>
+          </a:p>
+          <a:p>
+            <a:pPr lvl="1"/>
+            <a:r>
+              <a:rPr lang="en-US" dirty="0"/>
+              <a:t>Wide swings in predictions with small input diffs. </a:t>
+            </a:r>
+          </a:p>
+          <a:p>
+            <a:r>
+              <a:rPr lang="en-US" dirty="0"/>
+              <a:t>Underfit models treat odd values like exceptions, overfit models treat them like mandates. </a:t>
             </a:r>
           </a:p>
         </p:txBody>
       </p:sp>
       <p:pic>
         <p:nvPicPr>
-          <p:cNvPr id="4" name="Picture 3">
+          <p:cNvPr id="4100" name="Picture 4" descr="Overfitting and Methods of Addressing it - CFA, FRM, and Actuarial Exams  Study Notes">
             <a:extLst>
               <a:ext uri="{FF2B5EF4-FFF2-40B4-BE49-F238E27FC236}">
-                <a16:creationId xmlns:a16="http://schemas.microsoft.com/office/drawing/2014/main" id="{E762EFED-E2BE-617C-8EC6-5480D26DD229}"/>
+                <a16:creationId xmlns:a16="http://schemas.microsoft.com/office/drawing/2014/main" id="{92246B94-F368-6048-7CDA-972F14BF990C}"/>
               </a:ext>
             </a:extLst>
           </p:cNvPr>
           <p:cNvPicPr>
-            <a:picLocks noChangeAspect="1"/>
+            <a:picLocks noChangeAspect="1" noChangeArrowheads="1"/>
           </p:cNvPicPr>
           <p:nvPr/>
         </p:nvPicPr>
-        <p:blipFill>
-          <a:blip r:embed="rId2"/>
-          <a:stretch>
-            <a:fillRect/>
-          </a:stretch>
+        <p:blipFill rotWithShape="1">
+          <a:blip r:embed="rId2">
+            <a:extLst>
+              <a:ext uri="{28A0092B-C50C-407E-A947-70E740481C1C}">
+                <a14:useLocalDpi xmlns:a14="http://schemas.microsoft.com/office/drawing/2010/main" val="0"/>
+              </a:ext>
+            </a:extLst>
+          </a:blip>
+          <a:srcRect l="7803" t="26901" r="6969"/>
+          <a:stretch/>
         </p:blipFill>
-        <p:spPr>
-          <a:xfrm>
-            <a:off x="6348783" y="1853753"/>
-            <a:ext cx="5843218" cy="3885739"/>
+        <p:spPr bwMode="auto">
+          <a:xfrm>
+            <a:off x="0" y="2089626"/>
+            <a:ext cx="6680410" cy="2875333"/>
           </a:xfrm>
           <a:prstGeom prst="rect">
             <a:avLst/>
           </a:prstGeom>
+          <a:noFill/>
+          <a:extLst>
+            <a:ext uri="{909E8E84-426E-40DD-AFC4-6F175D3DCCD1}">
+              <a14:hiddenFill xmlns:a14="http://schemas.microsoft.com/office/drawing/2010/main">
+                <a:solidFill>
+                  <a:srgbClr val="FFFFFF"/>
+                </a:solidFill>
+              </a14:hiddenFill>
+            </a:ext>
+          </a:extLst>
         </p:spPr>
       </p:pic>
     </p:spTree>
     <p:extLst>
       <p:ext uri="{BB962C8B-B14F-4D97-AF65-F5344CB8AC3E}">
-        <p14:creationId xmlns:p14="http://schemas.microsoft.com/office/powerpoint/2010/main" val="1312427962"/>
-      </p:ext>
-    </p:extLst>
-  </p:cSld>
-  <p:clrMapOvr>
-    <a:masterClrMapping/>
-  </p:clrMapOvr>
-</p:sld>
-</file>
-
-<file path=ppt/slides/slide14.xml><?xml version="1.0" encoding="utf-8"?>
-<p:sld xmlns:a="http://schemas.openxmlformats.org/drawingml/2006/main" xmlns:r="http://schemas.openxmlformats.org/officeDocument/2006/relationships" xmlns:p="http://schemas.openxmlformats.org/presentationml/2006/main">
-  <p:cSld>
-    <p:spTree>
-      <p:nvGrpSpPr>
-        <p:cNvPr id="1" name=""/>
-        <p:cNvGrpSpPr/>
-        <p:nvPr/>
-      </p:nvGrpSpPr>
-      <p:grpSpPr>
-        <a:xfrm>
-          <a:off x="0" y="0"/>
-          <a:ext cx="0" cy="0"/>
-          <a:chOff x="0" y="0"/>
-          <a:chExt cx="0" cy="0"/>
-        </a:xfrm>
-      </p:grpSpPr>
-      <p:sp>
-        <p:nvSpPr>
-          <p:cNvPr id="2" name="Title 1">
-            <a:extLst>
-              <a:ext uri="{FF2B5EF4-FFF2-40B4-BE49-F238E27FC236}">
-                <a16:creationId xmlns:a16="http://schemas.microsoft.com/office/drawing/2014/main" id="{1A7487B6-29E9-7664-73A5-3D1B78F3671D}"/>
-              </a:ext>
-            </a:extLst>
-          </p:cNvPr>
-          <p:cNvSpPr>
-            <a:spLocks noGrp="1"/>
-          </p:cNvSpPr>
-          <p:nvPr>
-            <p:ph type="title"/>
-          </p:nvPr>
-        </p:nvSpPr>
-        <p:spPr/>
-        <p:txBody>
-          <a:bodyPr/>
-          <a:lstStyle/>
-          <a:p>
-            <a:r>
-              <a:rPr lang="en-US" dirty="0"/>
-              <a:t>Pruning in Practice</a:t>
-            </a:r>
-          </a:p>
-        </p:txBody>
-      </p:sp>
-      <p:sp>
-        <p:nvSpPr>
-          <p:cNvPr id="3" name="Content Placeholder 2">
-            <a:extLst>
-              <a:ext uri="{FF2B5EF4-FFF2-40B4-BE49-F238E27FC236}">
-                <a16:creationId xmlns:a16="http://schemas.microsoft.com/office/drawing/2014/main" id="{8FD8A8F8-F733-6C0E-3EDD-94F6ECE980DB}"/>
-              </a:ext>
-            </a:extLst>
-          </p:cNvPr>
-          <p:cNvSpPr>
-            <a:spLocks noGrp="1"/>
-          </p:cNvSpPr>
-          <p:nvPr>
-            <p:ph idx="1"/>
-          </p:nvPr>
-        </p:nvSpPr>
-        <p:spPr>
-          <a:xfrm>
-            <a:off x="938893" y="1853754"/>
-            <a:ext cx="10678886" cy="4289871"/>
-          </a:xfrm>
-        </p:spPr>
-        <p:txBody>
-          <a:bodyPr/>
-          <a:lstStyle/>
-          <a:p>
-            <a:r>
-              <a:rPr lang="en-US" dirty="0"/>
-              <a:t>Suppose:</a:t>
-            </a:r>
-          </a:p>
-          <a:p>
-            <a:pPr lvl="1"/>
-            <a:r>
-              <a:rPr lang="en-US" dirty="0"/>
-              <a:t>A node has an MSE of 4 right now. </a:t>
-            </a:r>
-          </a:p>
-          <a:p>
-            <a:pPr lvl="1"/>
-            <a:r>
-              <a:rPr lang="en-US" dirty="0"/>
-              <a:t>Splitting will yield a weighted average MSE of 3.5. </a:t>
-            </a:r>
-          </a:p>
-          <a:p>
-            <a:pPr lvl="1"/>
-            <a:r>
-              <a:rPr lang="en-US" dirty="0"/>
-              <a:t>This split only happen if the penalty term is &lt; .5 – if not, the improvement is too small to be worth it. </a:t>
-            </a:r>
-          </a:p>
-          <a:p>
-            <a:r>
-              <a:rPr lang="en-US" dirty="0"/>
-              <a:t>Pruning limits overfitting in a similar way to other techniques, by limiting growth of the model. </a:t>
-            </a:r>
-          </a:p>
-          <a:p>
-            <a:r>
-              <a:rPr lang="en-US" dirty="0"/>
-              <a:t>We don’t really know ahead of time which option (depth, split HPs, pruning) will be best. </a:t>
-            </a:r>
-          </a:p>
-          <a:p>
-            <a:pPr lvl="1"/>
-            <a:r>
-              <a:rPr lang="en-US" dirty="0"/>
-              <a:t>A grid search testing different options will probably be the best. </a:t>
-            </a:r>
-          </a:p>
-          <a:p>
-            <a:r>
-              <a:rPr lang="en-US" dirty="0"/>
-              <a:t>Incentivizes a model that is both correct and small. </a:t>
-            </a:r>
-          </a:p>
-          <a:p>
-            <a:pPr lvl="1"/>
-            <a:r>
-              <a:rPr lang="en-US" dirty="0"/>
-              <a:t>Both growing (adding complexity to the model) and being wrong will negatively impact the cost. </a:t>
-            </a:r>
-          </a:p>
-        </p:txBody>
-      </p:sp>
-      <p:pic>
-        <p:nvPicPr>
-          <p:cNvPr id="4" name="Picture 3">
-            <a:extLst>
-              <a:ext uri="{FF2B5EF4-FFF2-40B4-BE49-F238E27FC236}">
-                <a16:creationId xmlns:a16="http://schemas.microsoft.com/office/drawing/2014/main" id="{4A238805-9579-2BC5-56AB-5DB5488780CD}"/>
-              </a:ext>
-            </a:extLst>
-          </p:cNvPr>
-          <p:cNvPicPr>
-            <a:picLocks noChangeAspect="1"/>
-          </p:cNvPicPr>
-          <p:nvPr/>
-        </p:nvPicPr>
-        <p:blipFill>
-          <a:blip r:embed="rId2"/>
-          <a:stretch>
-            <a:fillRect/>
-          </a:stretch>
-        </p:blipFill>
-        <p:spPr>
-          <a:xfrm>
-            <a:off x="8499020" y="0"/>
-            <a:ext cx="3692980" cy="2455831"/>
-          </a:xfrm>
-          <a:prstGeom prst="rect">
-            <a:avLst/>
-          </a:prstGeom>
-        </p:spPr>
-      </p:pic>
-    </p:spTree>
-    <p:extLst>
-      <p:ext uri="{BB962C8B-B14F-4D97-AF65-F5344CB8AC3E}">
-        <p14:creationId xmlns:p14="http://schemas.microsoft.com/office/powerpoint/2010/main" val="3666778484"/>
+        <p14:creationId xmlns:p14="http://schemas.microsoft.com/office/powerpoint/2010/main" val="1035135635"/>
       </p:ext>
     </p:extLst>
   </p:cSld>
@@ -4656,7 +4662,7 @@
           <p:cNvPr id="2" name="Title 1">
             <a:extLst>
               <a:ext uri="{FF2B5EF4-FFF2-40B4-BE49-F238E27FC236}">
-                <a16:creationId xmlns:a16="http://schemas.microsoft.com/office/drawing/2014/main" id="{D059B674-3BCD-20D5-C302-E0DC39DA5D5A}"/>
+                <a16:creationId xmlns:a16="http://schemas.microsoft.com/office/drawing/2014/main" id="{210592C8-3423-3220-D01A-6F8CB9E9C7C5}"/>
               </a:ext>
             </a:extLst>
           </p:cNvPr>
@@ -4674,7 +4680,7 @@
           <a:p>
             <a:r>
               <a:rPr lang="en-US" dirty="0"/>
-              <a:t>Regression Trees</a:t>
+              <a:t>Spot Check - Visualizations</a:t>
             </a:r>
           </a:p>
         </p:txBody>
@@ -4684,7 +4690,7 @@
           <p:cNvPr id="3" name="Content Placeholder 2">
             <a:extLst>
               <a:ext uri="{FF2B5EF4-FFF2-40B4-BE49-F238E27FC236}">
-                <a16:creationId xmlns:a16="http://schemas.microsoft.com/office/drawing/2014/main" id="{17F52D4C-E05E-1CED-25ED-4115742E60FB}"/>
+                <a16:creationId xmlns:a16="http://schemas.microsoft.com/office/drawing/2014/main" id="{E33E6C8F-77FB-FE31-2560-974CFAB18F16}"/>
               </a:ext>
             </a:extLst>
           </p:cNvPr>
@@ -4697,272 +4703,89 @@
         </p:nvSpPr>
         <p:spPr>
           <a:xfrm>
-            <a:off x="849086" y="1853754"/>
-            <a:ext cx="10719707" cy="4199727"/>
+            <a:off x="1451579" y="1853754"/>
+            <a:ext cx="9603275" cy="4199727"/>
           </a:xfrm>
         </p:spPr>
         <p:txBody>
           <a:bodyPr>
-            <a:normAutofit/>
+            <a:normAutofit lnSpcReduction="10000"/>
           </a:bodyPr>
           <a:lstStyle/>
           <a:p>
             <a:r>
               <a:rPr lang="en-US" dirty="0"/>
-              <a:t>Regression tree strengths and weaknesses are similar to classification trees:</a:t>
+              <a:t>In machine learning we often do visualizations and talk about things in 2D/3D, like here. </a:t>
+            </a:r>
+          </a:p>
+          <a:p>
+            <a:r>
+              <a:rPr lang="en-US" dirty="0"/>
+              <a:t>The 2D is usually a simplification to represent aspects of the data:</a:t>
             </a:r>
           </a:p>
           <a:p>
             <a:pPr lvl="1"/>
             <a:r>
               <a:rPr lang="en-US" dirty="0"/>
-              <a:t>Strengths: adapt to any relationship, able to be very accurate, explainable, fast. </a:t>
+              <a:t>Taking only a couple of the dimensions from the original data. </a:t>
             </a:r>
           </a:p>
           <a:p>
             <a:pPr lvl="1"/>
             <a:r>
               <a:rPr lang="en-US" dirty="0"/>
-              <a:t>Weaknesses: overfitting by default, improvements limit interpretability, limited output values. </a:t>
-            </a:r>
-          </a:p>
-          <a:p>
-            <a:r>
-              <a:rPr lang="en-US" dirty="0"/>
-              <a:t>Regression trees are also commonly used in gradient boosting models that are top class. </a:t>
-            </a:r>
-          </a:p>
-          <a:p>
-            <a:r>
-              <a:rPr lang="en-US" dirty="0"/>
-              <a:t>If the output domain is limited, relationships in data are non-linear, and interpretability is important, reg trees are a strong option. </a:t>
-            </a:r>
-          </a:p>
-          <a:p>
-            <a:r>
-              <a:rPr lang="en-US" dirty="0"/>
-              <a:t>In most other cases, some other model will likely win out. </a:t>
+              <a:t>Using some technique to map the data to lower dimensions for display. </a:t>
+            </a:r>
+          </a:p>
+          <a:p>
+            <a:r>
+              <a:rPr lang="en-US" dirty="0"/>
+              <a:t>The concepts are the same, but this simplification lets us see it in terms we understand.</a:t>
             </a:r>
           </a:p>
           <a:p>
             <a:pPr lvl="1"/>
             <a:r>
               <a:rPr lang="en-US" dirty="0"/>
-              <a:t>Trees are more common in classification. </a:t>
-            </a:r>
-          </a:p>
-          <a:p>
-            <a:r>
-              <a:rPr lang="en-US" dirty="0"/>
-              <a:t>The concepts of model size, fitting, HP tuning, regularization, and cost carry over to other models. </a:t>
-            </a:r>
-          </a:p>
-        </p:txBody>
-      </p:sp>
-    </p:spTree>
-    <p:extLst>
-      <p:ext uri="{BB962C8B-B14F-4D97-AF65-F5344CB8AC3E}">
-        <p14:creationId xmlns:p14="http://schemas.microsoft.com/office/powerpoint/2010/main" val="4267605924"/>
-      </p:ext>
-    </p:extLst>
-  </p:cSld>
-  <p:clrMapOvr>
-    <a:masterClrMapping/>
-  </p:clrMapOvr>
-</p:sld>
-</file>
-
-<file path=ppt/slides/slide2.xml><?xml version="1.0" encoding="utf-8"?>
-<p:sld xmlns:a="http://schemas.openxmlformats.org/drawingml/2006/main" xmlns:r="http://schemas.openxmlformats.org/officeDocument/2006/relationships" xmlns:p="http://schemas.openxmlformats.org/presentationml/2006/main">
-  <p:cSld>
-    <p:spTree>
-      <p:nvGrpSpPr>
-        <p:cNvPr id="1" name=""/>
-        <p:cNvGrpSpPr/>
-        <p:nvPr/>
-      </p:nvGrpSpPr>
-      <p:grpSpPr>
-        <a:xfrm>
-          <a:off x="0" y="0"/>
-          <a:ext cx="0" cy="0"/>
-          <a:chOff x="0" y="0"/>
-          <a:chExt cx="0" cy="0"/>
-        </a:xfrm>
-      </p:grpSpPr>
-      <p:sp>
-        <p:nvSpPr>
-          <p:cNvPr id="2" name="Title 1">
+              <a:t>Separability – the ability of a classifier to divide A and B – literally a line dividing points. </a:t>
+            </a:r>
+          </a:p>
+          <a:p>
+            <a:pPr lvl="1"/>
+            <a:r>
+              <a:rPr lang="en-US" dirty="0"/>
+              <a:t>Relationships (particularly linear) – when we plot things, is it linear in 2D. </a:t>
+            </a:r>
+          </a:p>
+          <a:p>
+            <a:pPr lvl="1"/>
+            <a:r>
+              <a:rPr lang="en-US" dirty="0"/>
+              <a:t>Loss plots – moistly for later on. </a:t>
+            </a:r>
+          </a:p>
+          <a:p>
+            <a:r>
+              <a:rPr lang="en-US" dirty="0"/>
+              <a:t>This language/display is common – we are representing high dimension data in 2D. </a:t>
+            </a:r>
+          </a:p>
+          <a:p>
+            <a:pPr lvl="1"/>
+            <a:r>
+              <a:rPr lang="en-US" dirty="0"/>
+              <a:t>If it doesn’t make sense, please interrupt/ask. </a:t>
+            </a:r>
+          </a:p>
+        </p:txBody>
+      </p:sp>
+      <p:pic>
+        <p:nvPicPr>
+          <p:cNvPr id="5122" name="Picture 2" descr="How to Do Model Visualization in Machine Learning?">
             <a:extLst>
               <a:ext uri="{FF2B5EF4-FFF2-40B4-BE49-F238E27FC236}">
-                <a16:creationId xmlns:a16="http://schemas.microsoft.com/office/drawing/2014/main" id="{495E7C4F-7342-953A-C5EC-2245430AD6CE}"/>
-              </a:ext>
-            </a:extLst>
-          </p:cNvPr>
-          <p:cNvSpPr>
-            <a:spLocks noGrp="1"/>
-          </p:cNvSpPr>
-          <p:nvPr>
-            <p:ph type="ctrTitle"/>
-          </p:nvPr>
-        </p:nvSpPr>
-        <p:spPr/>
-        <p:txBody>
-          <a:bodyPr/>
-          <a:lstStyle/>
-          <a:p>
-            <a:r>
-              <a:rPr lang="en-US" dirty="0"/>
-              <a:t>Regression Trees</a:t>
-            </a:r>
-          </a:p>
-        </p:txBody>
-      </p:sp>
-      <p:sp>
-        <p:nvSpPr>
-          <p:cNvPr id="3" name="Subtitle 2">
-            <a:extLst>
-              <a:ext uri="{FF2B5EF4-FFF2-40B4-BE49-F238E27FC236}">
-                <a16:creationId xmlns:a16="http://schemas.microsoft.com/office/drawing/2014/main" id="{C62555E3-BB0C-AEF1-19B3-1B2985076A45}"/>
-              </a:ext>
-            </a:extLst>
-          </p:cNvPr>
-          <p:cNvSpPr>
-            <a:spLocks noGrp="1"/>
-          </p:cNvSpPr>
-          <p:nvPr>
-            <p:ph type="subTitle" idx="1"/>
-          </p:nvPr>
-        </p:nvSpPr>
-        <p:spPr/>
-        <p:txBody>
-          <a:bodyPr/>
-          <a:lstStyle/>
-          <a:p>
-            <a:endParaRPr lang="en-US"/>
-          </a:p>
-        </p:txBody>
-      </p:sp>
-    </p:spTree>
-    <p:extLst>
-      <p:ext uri="{BB962C8B-B14F-4D97-AF65-F5344CB8AC3E}">
-        <p14:creationId xmlns:p14="http://schemas.microsoft.com/office/powerpoint/2010/main" val="1182131768"/>
-      </p:ext>
-    </p:extLst>
-  </p:cSld>
-  <p:clrMapOvr>
-    <a:masterClrMapping/>
-  </p:clrMapOvr>
-</p:sld>
-</file>
-
-<file path=ppt/slides/slide3.xml><?xml version="1.0" encoding="utf-8"?>
-<p:sld xmlns:a="http://schemas.openxmlformats.org/drawingml/2006/main" xmlns:r="http://schemas.openxmlformats.org/officeDocument/2006/relationships" xmlns:p="http://schemas.openxmlformats.org/presentationml/2006/main">
-  <p:cSld>
-    <p:spTree>
-      <p:nvGrpSpPr>
-        <p:cNvPr id="1" name=""/>
-        <p:cNvGrpSpPr/>
-        <p:nvPr/>
-      </p:nvGrpSpPr>
-      <p:grpSpPr>
-        <a:xfrm>
-          <a:off x="0" y="0"/>
-          <a:ext cx="0" cy="0"/>
-          <a:chOff x="0" y="0"/>
-          <a:chExt cx="0" cy="0"/>
-        </a:xfrm>
-      </p:grpSpPr>
-      <p:sp>
-        <p:nvSpPr>
-          <p:cNvPr id="2" name="Title 1">
-            <a:extLst>
-              <a:ext uri="{FF2B5EF4-FFF2-40B4-BE49-F238E27FC236}">
-                <a16:creationId xmlns:a16="http://schemas.microsoft.com/office/drawing/2014/main" id="{1EADC578-EBB9-3E0D-47BC-337BEB1DCA58}"/>
-              </a:ext>
-            </a:extLst>
-          </p:cNvPr>
-          <p:cNvSpPr>
-            <a:spLocks noGrp="1"/>
-          </p:cNvSpPr>
-          <p:nvPr>
-            <p:ph type="title"/>
-          </p:nvPr>
-        </p:nvSpPr>
-        <p:spPr/>
-        <p:txBody>
-          <a:bodyPr/>
-          <a:lstStyle/>
-          <a:p>
-            <a:r>
-              <a:rPr lang="en-US" dirty="0"/>
-              <a:t>Trees</a:t>
-            </a:r>
-          </a:p>
-        </p:txBody>
-      </p:sp>
-      <p:sp>
-        <p:nvSpPr>
-          <p:cNvPr id="3" name="Content Placeholder 2">
-            <a:extLst>
-              <a:ext uri="{FF2B5EF4-FFF2-40B4-BE49-F238E27FC236}">
-                <a16:creationId xmlns:a16="http://schemas.microsoft.com/office/drawing/2014/main" id="{FC0F25FD-A806-B1BA-394F-9D947385DCF1}"/>
-              </a:ext>
-            </a:extLst>
-          </p:cNvPr>
-          <p:cNvSpPr>
-            <a:spLocks noGrp="1"/>
-          </p:cNvSpPr>
-          <p:nvPr>
-            <p:ph idx="1"/>
-          </p:nvPr>
-        </p:nvSpPr>
-        <p:spPr>
-          <a:xfrm>
-            <a:off x="1" y="2015732"/>
-            <a:ext cx="6286499" cy="4037749"/>
-          </a:xfrm>
-        </p:spPr>
-        <p:txBody>
-          <a:bodyPr/>
-          <a:lstStyle/>
-          <a:p>
-            <a:r>
-              <a:rPr lang="en-US" dirty="0"/>
-              <a:t>Thus far we’ve only looked at classification trees. </a:t>
-            </a:r>
-          </a:p>
-          <a:p>
-            <a:r>
-              <a:rPr lang="en-US" dirty="0"/>
-              <a:t>We can use a tree to do regression as well. </a:t>
-            </a:r>
-          </a:p>
-          <a:p>
-            <a:r>
-              <a:rPr lang="en-US" dirty="0"/>
-              <a:t>Practical usage is not really any different in sklearn. </a:t>
-            </a:r>
-          </a:p>
-          <a:p>
-            <a:r>
-              <a:rPr lang="en-US" dirty="0"/>
-              <a:t>The logic of how a tree works remains the same, some details change.</a:t>
-            </a:r>
-          </a:p>
-          <a:p>
-            <a:r>
-              <a:rPr lang="en-US" dirty="0"/>
-              <a:t>Note: the features for class/reg trees can always be anything, type is referring to the target only. </a:t>
-            </a:r>
-          </a:p>
-        </p:txBody>
-      </p:sp>
-      <p:pic>
-        <p:nvPicPr>
-          <p:cNvPr id="1026" name="Picture 2" descr="decision tree regression for Sale,Up To OFF 78%">
-            <a:extLst>
-              <a:ext uri="{FF2B5EF4-FFF2-40B4-BE49-F238E27FC236}">
-                <a16:creationId xmlns:a16="http://schemas.microsoft.com/office/drawing/2014/main" id="{2243DE2C-712B-4CEC-454D-6ACB69259EF4}"/>
+                <a16:creationId xmlns:a16="http://schemas.microsoft.com/office/drawing/2014/main" id="{49A0F884-FB62-E97B-E515-A2FCD14B7B16}"/>
               </a:ext>
             </a:extLst>
           </p:cNvPr>
@@ -4986,8 +4809,8 @@
         </p:blipFill>
         <p:spPr bwMode="auto">
           <a:xfrm>
-            <a:off x="6096000" y="0"/>
-            <a:ext cx="6095999" cy="6053481"/>
+            <a:off x="10104582" y="1"/>
+            <a:ext cx="2087418" cy="1890492"/>
           </a:xfrm>
           <a:prstGeom prst="rect">
             <a:avLst/>
@@ -5007,7 +4830,7 @@
     </p:spTree>
     <p:extLst>
       <p:ext uri="{BB962C8B-B14F-4D97-AF65-F5344CB8AC3E}">
-        <p14:creationId xmlns:p14="http://schemas.microsoft.com/office/powerpoint/2010/main" val="2908708752"/>
+        <p14:creationId xmlns:p14="http://schemas.microsoft.com/office/powerpoint/2010/main" val="2032419251"/>
       </p:ext>
     </p:extLst>
   </p:cSld>
@@ -5017,7 +4840,7 @@
 </p:sld>
 </file>
 
-<file path=ppt/slides/slide4.xml><?xml version="1.0" encoding="utf-8"?>
+<file path=ppt/slides/slide16.xml><?xml version="1.0" encoding="utf-8"?>
 <p:sld xmlns:a="http://schemas.openxmlformats.org/drawingml/2006/main" xmlns:r="http://schemas.openxmlformats.org/officeDocument/2006/relationships" xmlns:p="http://schemas.openxmlformats.org/presentationml/2006/main">
   <p:cSld>
     <p:spTree>
@@ -5039,7 +4862,7 @@
           <p:cNvPr id="2" name="Title 1">
             <a:extLst>
               <a:ext uri="{FF2B5EF4-FFF2-40B4-BE49-F238E27FC236}">
-                <a16:creationId xmlns:a16="http://schemas.microsoft.com/office/drawing/2014/main" id="{618DD182-479B-E651-62F1-DC97781DA694}"/>
+                <a16:creationId xmlns:a16="http://schemas.microsoft.com/office/drawing/2014/main" id="{9881FC0B-48A5-211C-EE12-732E0A332F25}"/>
               </a:ext>
             </a:extLst>
           </p:cNvPr>
@@ -5057,7 +4880,7 @@
           <a:p>
             <a:r>
               <a:rPr lang="en-US" dirty="0"/>
-              <a:t>Tree Changes</a:t>
+              <a:t>Tuning a Regression Tree</a:t>
             </a:r>
           </a:p>
         </p:txBody>
@@ -5067,7 +4890,7 @@
           <p:cNvPr id="3" name="Content Placeholder 2">
             <a:extLst>
               <a:ext uri="{FF2B5EF4-FFF2-40B4-BE49-F238E27FC236}">
-                <a16:creationId xmlns:a16="http://schemas.microsoft.com/office/drawing/2014/main" id="{92AC9BEC-D69D-8041-39B8-41CECEDFD23F}"/>
+                <a16:creationId xmlns:a16="http://schemas.microsoft.com/office/drawing/2014/main" id="{49C94A98-E2C8-31DA-151C-D1CEDC22F733}"/>
               </a:ext>
             </a:extLst>
           </p:cNvPr>
@@ -5081,7 +4904,7 @@
         <p:spPr>
           <a:xfrm>
             <a:off x="1451579" y="2015732"/>
-            <a:ext cx="9603275" cy="3880571"/>
+            <a:ext cx="9603275" cy="4037749"/>
           </a:xfrm>
         </p:spPr>
         <p:txBody>
@@ -5090,45 +4913,51 @@
           <a:p>
             <a:r>
               <a:rPr lang="en-US" dirty="0"/>
-              <a:t>The ‘purity’ (entropy/</a:t>
-            </a:r>
-            <a:r>
-              <a:rPr lang="en-US" dirty="0" err="1"/>
-              <a:t>gini</a:t>
-            </a:r>
-            <a:r>
-              <a:rPr lang="en-US" dirty="0"/>
-              <a:t>) of each split becomes the mean squared error. </a:t>
+              <a:t>Tuning a regression tree for better performance is the same as a classification tree. </a:t>
+            </a:r>
+          </a:p>
+          <a:p>
+            <a:r>
+              <a:rPr lang="en-US" dirty="0"/>
+              <a:t>Hyperparameters:</a:t>
             </a:r>
           </a:p>
           <a:p>
             <a:pPr lvl="1"/>
             <a:r>
               <a:rPr lang="en-US" dirty="0"/>
-              <a:t>Instead of finding a split to maximize purity, it looks for one to minimize MSE. </a:t>
-            </a:r>
-          </a:p>
-          <a:p>
-            <a:r>
-              <a:rPr lang="en-US" dirty="0"/>
-              <a:t>The predication of each leaf node is a value, not a class. </a:t>
+              <a:t>Like a classification tree, most are settings to restrict growth. </a:t>
             </a:r>
           </a:p>
           <a:p>
             <a:pPr lvl="1"/>
             <a:r>
               <a:rPr lang="en-US" dirty="0"/>
-              <a:t>In classification trees, the majority class in a leaf is its value. </a:t>
+              <a:t>The error is usually MSE, but can be changed to others like absolute value. </a:t>
             </a:r>
           </a:p>
           <a:p>
             <a:pPr lvl="1"/>
             <a:r>
               <a:rPr lang="en-US" dirty="0"/>
-              <a:t>In regression trees, the mean of the records in it is its value. </a:t>
-            </a:r>
-          </a:p>
-          <a:p>
+              <a:t>Still use a grid search to hunt for optimal values. </a:t>
+            </a:r>
+          </a:p>
+          <a:p>
+            <a:r>
+              <a:rPr lang="en-US" dirty="0"/>
+              <a:t>Pruning:</a:t>
+            </a:r>
+          </a:p>
+          <a:p>
+            <a:pPr lvl="1"/>
+            <a:r>
+              <a:rPr lang="en-US" dirty="0"/>
+              <a:t>Pruning works in the same way as with classification, only the metrics change. </a:t>
+            </a:r>
+          </a:p>
+          <a:p>
+            <a:pPr lvl="1"/>
             <a:endParaRPr lang="en-US" dirty="0"/>
           </a:p>
         </p:txBody>
@@ -5136,7 +4965,7 @@
     </p:spTree>
     <p:extLst>
       <p:ext uri="{BB962C8B-B14F-4D97-AF65-F5344CB8AC3E}">
-        <p14:creationId xmlns:p14="http://schemas.microsoft.com/office/powerpoint/2010/main" val="1063414855"/>
+        <p14:creationId xmlns:p14="http://schemas.microsoft.com/office/powerpoint/2010/main" val="3256090976"/>
       </p:ext>
     </p:extLst>
   </p:cSld>
@@ -5146,225 +4975,7 @@
 </p:sld>
 </file>
 
-<file path=ppt/slides/slide5.xml><?xml version="1.0" encoding="utf-8"?>
-<p:sld xmlns:a="http://schemas.openxmlformats.org/drawingml/2006/main" xmlns:r="http://schemas.openxmlformats.org/officeDocument/2006/relationships" xmlns:p="http://schemas.openxmlformats.org/presentationml/2006/main">
-  <p:cSld>
-    <p:spTree>
-      <p:nvGrpSpPr>
-        <p:cNvPr id="1" name=""/>
-        <p:cNvGrpSpPr/>
-        <p:nvPr/>
-      </p:nvGrpSpPr>
-      <p:grpSpPr>
-        <a:xfrm>
-          <a:off x="0" y="0"/>
-          <a:ext cx="0" cy="0"/>
-          <a:chOff x="0" y="0"/>
-          <a:chExt cx="0" cy="0"/>
-        </a:xfrm>
-      </p:grpSpPr>
-      <p:sp>
-        <p:nvSpPr>
-          <p:cNvPr id="2" name="Title 1">
-            <a:extLst>
-              <a:ext uri="{FF2B5EF4-FFF2-40B4-BE49-F238E27FC236}">
-                <a16:creationId xmlns:a16="http://schemas.microsoft.com/office/drawing/2014/main" id="{691C052E-A134-94EB-A999-A88D1C1518FF}"/>
-              </a:ext>
-            </a:extLst>
-          </p:cNvPr>
-          <p:cNvSpPr>
-            <a:spLocks noGrp="1"/>
-          </p:cNvSpPr>
-          <p:nvPr>
-            <p:ph type="title"/>
-          </p:nvPr>
-        </p:nvSpPr>
-        <p:spPr/>
-        <p:txBody>
-          <a:bodyPr/>
-          <a:lstStyle/>
-          <a:p>
-            <a:r>
-              <a:rPr lang="en-US" dirty="0"/>
-              <a:t>Deciding Splits</a:t>
-            </a:r>
-          </a:p>
-        </p:txBody>
-      </p:sp>
-      <p:sp>
-        <p:nvSpPr>
-          <p:cNvPr id="3" name="Content Placeholder 2">
-            <a:extLst>
-              <a:ext uri="{FF2B5EF4-FFF2-40B4-BE49-F238E27FC236}">
-                <a16:creationId xmlns:a16="http://schemas.microsoft.com/office/drawing/2014/main" id="{915C7929-7264-8903-BBBF-ED56749BB438}"/>
-              </a:ext>
-            </a:extLst>
-          </p:cNvPr>
-          <p:cNvSpPr>
-            <a:spLocks noGrp="1"/>
-          </p:cNvSpPr>
-          <p:nvPr>
-            <p:ph idx="1"/>
-          </p:nvPr>
-        </p:nvSpPr>
-        <p:spPr>
-          <a:xfrm>
-            <a:off x="0" y="1853754"/>
-            <a:ext cx="8625638" cy="4199727"/>
-          </a:xfrm>
-        </p:spPr>
-        <p:txBody>
-          <a:bodyPr>
-            <a:normAutofit/>
-          </a:bodyPr>
-          <a:lstStyle/>
-          <a:p>
-            <a:r>
-              <a:rPr lang="en-US" dirty="0"/>
-              <a:t>The split decision in a classification tree is based on the purity of the resulting nodes. </a:t>
-            </a:r>
-          </a:p>
-          <a:p>
-            <a:pPr lvl="1"/>
-            <a:r>
-              <a:rPr lang="en-US" dirty="0"/>
-              <a:t>I.e. the goal is to split all True values from all False values. </a:t>
-            </a:r>
-          </a:p>
-          <a:p>
-            <a:pPr lvl="1"/>
-            <a:r>
-              <a:rPr lang="en-US" dirty="0"/>
-              <a:t>The feature and split point (if numeric) are whatever does the best job of discriminating. </a:t>
-            </a:r>
-          </a:p>
-          <a:p>
-            <a:r>
-              <a:rPr lang="en-US" dirty="0"/>
-              <a:t>The split decision in a regression tree is based on the MSE of the result. </a:t>
-            </a:r>
-          </a:p>
-          <a:p>
-            <a:pPr lvl="1"/>
-            <a:r>
-              <a:rPr lang="en-US" dirty="0"/>
-              <a:t>The algorithm will split the data so the MSE of the two nodes is minimized. </a:t>
-            </a:r>
-          </a:p>
-          <a:p>
-            <a:r>
-              <a:rPr lang="en-US" dirty="0"/>
-              <a:t>Note: the concept of having an algorithm work to minimize/maximize something, and allowing that something (cost) to change, is common in machine learning. </a:t>
-            </a:r>
-          </a:p>
-        </p:txBody>
-      </p:sp>
-      <p:pic>
-        <p:nvPicPr>
-          <p:cNvPr id="2054" name="Picture 6" descr="regression-tree">
-            <a:extLst>
-              <a:ext uri="{FF2B5EF4-FFF2-40B4-BE49-F238E27FC236}">
-                <a16:creationId xmlns:a16="http://schemas.microsoft.com/office/drawing/2014/main" id="{2A071DDE-CAB1-50E6-D98E-7EBAE8CDDDE0}"/>
-              </a:ext>
-            </a:extLst>
-          </p:cNvPr>
-          <p:cNvPicPr>
-            <a:picLocks noChangeAspect="1" noChangeArrowheads="1"/>
-          </p:cNvPicPr>
-          <p:nvPr/>
-        </p:nvPicPr>
-        <p:blipFill>
-          <a:blip r:embed="rId2">
-            <a:extLst>
-              <a:ext uri="{28A0092B-C50C-407E-A947-70E740481C1C}">
-                <a14:useLocalDpi xmlns:a14="http://schemas.microsoft.com/office/drawing/2010/main" val="0"/>
-              </a:ext>
-            </a:extLst>
-          </a:blip>
-          <a:srcRect/>
-          <a:stretch>
-            <a:fillRect/>
-          </a:stretch>
-        </p:blipFill>
-        <p:spPr bwMode="auto">
-          <a:xfrm>
-            <a:off x="4938187" y="571964"/>
-            <a:ext cx="7253813" cy="1216478"/>
-          </a:xfrm>
-          <a:prstGeom prst="rect">
-            <a:avLst/>
-          </a:prstGeom>
-          <a:noFill/>
-          <a:extLst>
-            <a:ext uri="{909E8E84-426E-40DD-AFC4-6F175D3DCCD1}">
-              <a14:hiddenFill xmlns:a14="http://schemas.microsoft.com/office/drawing/2010/main">
-                <a:solidFill>
-                  <a:srgbClr val="FFFFFF"/>
-                </a:solidFill>
-              </a14:hiddenFill>
-            </a:ext>
-          </a:extLst>
-        </p:spPr>
-      </p:pic>
-      <p:pic>
-        <p:nvPicPr>
-          <p:cNvPr id="2056" name="Picture 8" descr="Resume of Decision Trees with Scikit-Learn - Jingwen Zheng">
-            <a:extLst>
-              <a:ext uri="{FF2B5EF4-FFF2-40B4-BE49-F238E27FC236}">
-                <a16:creationId xmlns:a16="http://schemas.microsoft.com/office/drawing/2014/main" id="{54B70F36-2A8D-D6CD-BE26-E506B182EFD7}"/>
-              </a:ext>
-            </a:extLst>
-          </p:cNvPr>
-          <p:cNvPicPr>
-            <a:picLocks noChangeAspect="1" noChangeArrowheads="1"/>
-          </p:cNvPicPr>
-          <p:nvPr/>
-        </p:nvPicPr>
-        <p:blipFill rotWithShape="1">
-          <a:blip r:embed="rId3">
-            <a:extLst>
-              <a:ext uri="{28A0092B-C50C-407E-A947-70E740481C1C}">
-                <a14:useLocalDpi xmlns:a14="http://schemas.microsoft.com/office/drawing/2010/main" val="0"/>
-              </a:ext>
-            </a:extLst>
-          </a:blip>
-          <a:srcRect l="24115" r="23634" b="33181"/>
-          <a:stretch/>
-        </p:blipFill>
-        <p:spPr bwMode="auto">
-          <a:xfrm>
-            <a:off x="8625638" y="3543299"/>
-            <a:ext cx="3566362" cy="2510181"/>
-          </a:xfrm>
-          <a:prstGeom prst="rect">
-            <a:avLst/>
-          </a:prstGeom>
-          <a:noFill/>
-          <a:extLst>
-            <a:ext uri="{909E8E84-426E-40DD-AFC4-6F175D3DCCD1}">
-              <a14:hiddenFill xmlns:a14="http://schemas.microsoft.com/office/drawing/2010/main">
-                <a:solidFill>
-                  <a:srgbClr val="FFFFFF"/>
-                </a:solidFill>
-              </a14:hiddenFill>
-            </a:ext>
-          </a:extLst>
-        </p:spPr>
-      </p:pic>
-    </p:spTree>
-    <p:extLst>
-      <p:ext uri="{BB962C8B-B14F-4D97-AF65-F5344CB8AC3E}">
-        <p14:creationId xmlns:p14="http://schemas.microsoft.com/office/powerpoint/2010/main" val="1344401520"/>
-      </p:ext>
-    </p:extLst>
-  </p:cSld>
-  <p:clrMapOvr>
-    <a:masterClrMapping/>
-  </p:clrMapOvr>
-</p:sld>
-</file>
-
-<file path=ppt/slides/slide6.xml><?xml version="1.0" encoding="utf-8"?>
+<file path=ppt/slides/slide17.xml><?xml version="1.0" encoding="utf-8"?>
 <p:sld xmlns:a="http://schemas.openxmlformats.org/drawingml/2006/main" xmlns:r="http://schemas.openxmlformats.org/officeDocument/2006/relationships" xmlns:p="http://schemas.openxmlformats.org/presentationml/2006/main">
   <p:cSld>
     <p:bg>
@@ -5410,7 +5021,7 @@
           <p:cNvPr id="2" name="Title 1">
             <a:extLst>
               <a:ext uri="{FF2B5EF4-FFF2-40B4-BE49-F238E27FC236}">
-                <a16:creationId xmlns:a16="http://schemas.microsoft.com/office/drawing/2014/main" id="{B1917AC6-D281-07BC-C208-7327639FBC6B}"/>
+                <a16:creationId xmlns:a16="http://schemas.microsoft.com/office/drawing/2014/main" id="{EAE5C7F8-0548-DEE1-5910-1154C1080B7A}"/>
               </a:ext>
             </a:extLst>
           </p:cNvPr>
@@ -5435,17 +5046,1037 @@
           <a:p>
             <a:r>
               <a:rPr lang="en-US" dirty="0"/>
-              <a:t>Leaf Node Predictions</a:t>
+              <a:t>Cost Complexity Pruning</a:t>
+            </a:r>
+          </a:p>
+        </p:txBody>
+      </p:sp>
+      <p:sp>
+        <p:nvSpPr>
+          <p:cNvPr id="3" name="Content Placeholder 2">
+            <a:extLst>
+              <a:ext uri="{FF2B5EF4-FFF2-40B4-BE49-F238E27FC236}">
+                <a16:creationId xmlns:a16="http://schemas.microsoft.com/office/drawing/2014/main" id="{B3156321-0935-3705-322E-B3F7F19DE26E}"/>
+              </a:ext>
+            </a:extLst>
+          </p:cNvPr>
+          <p:cNvSpPr>
+            <a:spLocks noGrp="1"/>
+          </p:cNvSpPr>
+          <p:nvPr>
+            <p:ph idx="1"/>
+          </p:nvPr>
+        </p:nvSpPr>
+        <p:spPr>
+          <a:xfrm>
+            <a:off x="57150" y="1853752"/>
+            <a:ext cx="6291633" cy="4261298"/>
+          </a:xfrm>
+        </p:spPr>
+        <p:txBody>
+          <a:bodyPr>
+            <a:normAutofit/>
+          </a:bodyPr>
+          <a:lstStyle/>
+          <a:p>
+            <a:pPr>
+              <a:lnSpc>
+                <a:spcPct val="110000"/>
+              </a:lnSpc>
+            </a:pPr>
+            <a:r>
+              <a:rPr lang="en-US" dirty="0"/>
+              <a:t>When looking at classification trees we saw pruning.</a:t>
+            </a:r>
+          </a:p>
+          <a:p>
+            <a:pPr>
+              <a:lnSpc>
+                <a:spcPct val="110000"/>
+              </a:lnSpc>
+            </a:pPr>
+            <a:r>
+              <a:rPr lang="en-US" dirty="0"/>
+              <a:t>Pruning is a form of regularization – a technique to reduce variance in a model. </a:t>
+            </a:r>
+          </a:p>
+          <a:p>
+            <a:pPr>
+              <a:lnSpc>
+                <a:spcPct val="110000"/>
+              </a:lnSpc>
+            </a:pPr>
+            <a:r>
+              <a:rPr lang="en-US" dirty="0"/>
+              <a:t>Regularization adds a ‘penalty’ term to the cost. </a:t>
+            </a:r>
+          </a:p>
+          <a:p>
+            <a:pPr lvl="1">
+              <a:lnSpc>
+                <a:spcPct val="110000"/>
+              </a:lnSpc>
+            </a:pPr>
+            <a:r>
+              <a:rPr lang="en-US" dirty="0"/>
+              <a:t>Instead of minimizing cost, minimize cost + penalty. </a:t>
+            </a:r>
+          </a:p>
+          <a:p>
+            <a:pPr lvl="1">
+              <a:lnSpc>
+                <a:spcPct val="110000"/>
+              </a:lnSpc>
+            </a:pPr>
+            <a:r>
+              <a:rPr lang="en-US" dirty="0"/>
+              <a:t>The penalty here is a ([HP constant] * [# leaf nodes]). </a:t>
+            </a:r>
+          </a:p>
+          <a:p>
+            <a:pPr lvl="1">
+              <a:lnSpc>
+                <a:spcPct val="110000"/>
+              </a:lnSpc>
+            </a:pPr>
+            <a:r>
+              <a:rPr lang="en-US" dirty="0"/>
+              <a:t>Acts to increase the cost as the tree grows larger. </a:t>
+            </a:r>
+          </a:p>
+          <a:p>
+            <a:pPr>
+              <a:lnSpc>
+                <a:spcPct val="110000"/>
+              </a:lnSpc>
+            </a:pPr>
+            <a:r>
+              <a:rPr lang="en-US" dirty="0"/>
+              <a:t>For the tree to grow, the cost needs to shrink enough:</a:t>
+            </a:r>
+          </a:p>
+          <a:p>
+            <a:pPr lvl="1">
+              <a:lnSpc>
+                <a:spcPct val="110000"/>
+              </a:lnSpc>
+            </a:pPr>
+            <a:r>
+              <a:rPr lang="en-US" dirty="0"/>
+              <a:t>In a normal tree, any improvement will make a split. </a:t>
+            </a:r>
+          </a:p>
+          <a:p>
+            <a:pPr lvl="1">
+              <a:lnSpc>
+                <a:spcPct val="110000"/>
+              </a:lnSpc>
+            </a:pPr>
+            <a:r>
+              <a:rPr lang="en-US" dirty="0"/>
+              <a:t>With pruning, improvements need to exceed the penalty. </a:t>
             </a:r>
           </a:p>
         </p:txBody>
       </p:sp>
       <p:pic>
         <p:nvPicPr>
-          <p:cNvPr id="3074" name="Picture 2" descr="Resume of Decision Trees with Scikit-Learn - Jingwen Zheng">
+          <p:cNvPr id="4" name="Picture 3">
             <a:extLst>
               <a:ext uri="{FF2B5EF4-FFF2-40B4-BE49-F238E27FC236}">
-                <a16:creationId xmlns:a16="http://schemas.microsoft.com/office/drawing/2014/main" id="{D9620360-C5A9-62F7-F9BA-946726ECCA24}"/>
+                <a16:creationId xmlns:a16="http://schemas.microsoft.com/office/drawing/2014/main" id="{E762EFED-E2BE-617C-8EC6-5480D26DD229}"/>
+              </a:ext>
+            </a:extLst>
+          </p:cNvPr>
+          <p:cNvPicPr>
+            <a:picLocks noChangeAspect="1"/>
+          </p:cNvPicPr>
+          <p:nvPr/>
+        </p:nvPicPr>
+        <p:blipFill>
+          <a:blip r:embed="rId2"/>
+          <a:stretch>
+            <a:fillRect/>
+          </a:stretch>
+        </p:blipFill>
+        <p:spPr>
+          <a:xfrm>
+            <a:off x="6348783" y="1853753"/>
+            <a:ext cx="5843218" cy="3885739"/>
+          </a:xfrm>
+          <a:prstGeom prst="rect">
+            <a:avLst/>
+          </a:prstGeom>
+        </p:spPr>
+      </p:pic>
+    </p:spTree>
+    <p:extLst>
+      <p:ext uri="{BB962C8B-B14F-4D97-AF65-F5344CB8AC3E}">
+        <p14:creationId xmlns:p14="http://schemas.microsoft.com/office/powerpoint/2010/main" val="1312427962"/>
+      </p:ext>
+    </p:extLst>
+  </p:cSld>
+  <p:clrMapOvr>
+    <a:masterClrMapping/>
+  </p:clrMapOvr>
+</p:sld>
+</file>
+
+<file path=ppt/slides/slide18.xml><?xml version="1.0" encoding="utf-8"?>
+<p:sld xmlns:a="http://schemas.openxmlformats.org/drawingml/2006/main" xmlns:r="http://schemas.openxmlformats.org/officeDocument/2006/relationships" xmlns:p="http://schemas.openxmlformats.org/presentationml/2006/main">
+  <p:cSld>
+    <p:spTree>
+      <p:nvGrpSpPr>
+        <p:cNvPr id="1" name=""/>
+        <p:cNvGrpSpPr/>
+        <p:nvPr/>
+      </p:nvGrpSpPr>
+      <p:grpSpPr>
+        <a:xfrm>
+          <a:off x="0" y="0"/>
+          <a:ext cx="0" cy="0"/>
+          <a:chOff x="0" y="0"/>
+          <a:chExt cx="0" cy="0"/>
+        </a:xfrm>
+      </p:grpSpPr>
+      <p:sp>
+        <p:nvSpPr>
+          <p:cNvPr id="2" name="Title 1">
+            <a:extLst>
+              <a:ext uri="{FF2B5EF4-FFF2-40B4-BE49-F238E27FC236}">
+                <a16:creationId xmlns:a16="http://schemas.microsoft.com/office/drawing/2014/main" id="{1A7487B6-29E9-7664-73A5-3D1B78F3671D}"/>
+              </a:ext>
+            </a:extLst>
+          </p:cNvPr>
+          <p:cNvSpPr>
+            <a:spLocks noGrp="1"/>
+          </p:cNvSpPr>
+          <p:nvPr>
+            <p:ph type="title"/>
+          </p:nvPr>
+        </p:nvSpPr>
+        <p:spPr/>
+        <p:txBody>
+          <a:bodyPr/>
+          <a:lstStyle/>
+          <a:p>
+            <a:r>
+              <a:rPr lang="en-US" dirty="0"/>
+              <a:t>Pruning in Practice</a:t>
+            </a:r>
+          </a:p>
+        </p:txBody>
+      </p:sp>
+      <p:sp>
+        <p:nvSpPr>
+          <p:cNvPr id="3" name="Content Placeholder 2">
+            <a:extLst>
+              <a:ext uri="{FF2B5EF4-FFF2-40B4-BE49-F238E27FC236}">
+                <a16:creationId xmlns:a16="http://schemas.microsoft.com/office/drawing/2014/main" id="{8FD8A8F8-F733-6C0E-3EDD-94F6ECE980DB}"/>
+              </a:ext>
+            </a:extLst>
+          </p:cNvPr>
+          <p:cNvSpPr>
+            <a:spLocks noGrp="1"/>
+          </p:cNvSpPr>
+          <p:nvPr>
+            <p:ph idx="1"/>
+          </p:nvPr>
+        </p:nvSpPr>
+        <p:spPr>
+          <a:xfrm>
+            <a:off x="938893" y="1853754"/>
+            <a:ext cx="10850066" cy="4289871"/>
+          </a:xfrm>
+        </p:spPr>
+        <p:txBody>
+          <a:bodyPr>
+            <a:normAutofit/>
+          </a:bodyPr>
+          <a:lstStyle/>
+          <a:p>
+            <a:r>
+              <a:rPr lang="en-US" dirty="0"/>
+              <a:t>Suppose:</a:t>
+            </a:r>
+          </a:p>
+          <a:p>
+            <a:pPr lvl="1"/>
+            <a:r>
+              <a:rPr lang="en-US" dirty="0"/>
+              <a:t>A node has an MSE of 4 right now. </a:t>
+            </a:r>
+          </a:p>
+          <a:p>
+            <a:pPr lvl="1"/>
+            <a:r>
+              <a:rPr lang="en-US" dirty="0"/>
+              <a:t>Splitting will yield a weighted average MSE of 3.5. </a:t>
+            </a:r>
+          </a:p>
+          <a:p>
+            <a:pPr lvl="1"/>
+            <a:r>
+              <a:rPr lang="en-US" dirty="0"/>
+              <a:t>This split only happen if the penalty term is &lt; .5 – if not, the improvement is too small to be worth it. </a:t>
+            </a:r>
+          </a:p>
+          <a:p>
+            <a:r>
+              <a:rPr lang="en-US" dirty="0"/>
+              <a:t>Pruning limits overfitting in a similar way to other techniques, by limiting growth of the model. </a:t>
+            </a:r>
+          </a:p>
+          <a:p>
+            <a:r>
+              <a:rPr lang="en-US" dirty="0"/>
+              <a:t>We don’t really know ahead of time which option (depth, split HPs, pruning) will be best. </a:t>
+            </a:r>
+          </a:p>
+          <a:p>
+            <a:pPr lvl="1"/>
+            <a:r>
+              <a:rPr lang="en-US" dirty="0"/>
+              <a:t>A grid search testing different options will probably be the best. </a:t>
+            </a:r>
+          </a:p>
+          <a:p>
+            <a:r>
+              <a:rPr lang="en-US" dirty="0"/>
+              <a:t>Incentivizes a model that is both correct and small. </a:t>
+            </a:r>
+          </a:p>
+          <a:p>
+            <a:pPr lvl="1"/>
+            <a:r>
+              <a:rPr lang="en-US" dirty="0"/>
+              <a:t>Both growing (adding complexity to the model) and being wrong will negatively impact the cost. </a:t>
+            </a:r>
+          </a:p>
+          <a:p>
+            <a:pPr lvl="1"/>
+            <a:r>
+              <a:rPr lang="en-US" dirty="0"/>
+              <a:t>Algorithm doesn’t look for the most accurate tree, it looks for the one with the </a:t>
+            </a:r>
+            <a:r>
+              <a:rPr lang="en-US" i="1" dirty="0"/>
+              <a:t>least loss</a:t>
+            </a:r>
+            <a:r>
+              <a:rPr lang="en-US" dirty="0"/>
+              <a:t>, as defined here.</a:t>
+            </a:r>
+          </a:p>
+        </p:txBody>
+      </p:sp>
+      <p:pic>
+        <p:nvPicPr>
+          <p:cNvPr id="4" name="Picture 3">
+            <a:extLst>
+              <a:ext uri="{FF2B5EF4-FFF2-40B4-BE49-F238E27FC236}">
+                <a16:creationId xmlns:a16="http://schemas.microsoft.com/office/drawing/2014/main" id="{4A238805-9579-2BC5-56AB-5DB5488780CD}"/>
+              </a:ext>
+            </a:extLst>
+          </p:cNvPr>
+          <p:cNvPicPr>
+            <a:picLocks noChangeAspect="1"/>
+          </p:cNvPicPr>
+          <p:nvPr/>
+        </p:nvPicPr>
+        <p:blipFill>
+          <a:blip r:embed="rId2"/>
+          <a:stretch>
+            <a:fillRect/>
+          </a:stretch>
+        </p:blipFill>
+        <p:spPr>
+          <a:xfrm>
+            <a:off x="8499020" y="0"/>
+            <a:ext cx="3692980" cy="2455831"/>
+          </a:xfrm>
+          <a:prstGeom prst="rect">
+            <a:avLst/>
+          </a:prstGeom>
+        </p:spPr>
+      </p:pic>
+    </p:spTree>
+    <p:extLst>
+      <p:ext uri="{BB962C8B-B14F-4D97-AF65-F5344CB8AC3E}">
+        <p14:creationId xmlns:p14="http://schemas.microsoft.com/office/powerpoint/2010/main" val="3666778484"/>
+      </p:ext>
+    </p:extLst>
+  </p:cSld>
+  <p:clrMapOvr>
+    <a:masterClrMapping/>
+  </p:clrMapOvr>
+</p:sld>
+</file>
+
+<file path=ppt/slides/slide19.xml><?xml version="1.0" encoding="utf-8"?>
+<p:sld xmlns:a="http://schemas.openxmlformats.org/drawingml/2006/main" xmlns:r="http://schemas.openxmlformats.org/officeDocument/2006/relationships" xmlns:p="http://schemas.openxmlformats.org/presentationml/2006/main">
+  <p:cSld>
+    <p:spTree>
+      <p:nvGrpSpPr>
+        <p:cNvPr id="1" name=""/>
+        <p:cNvGrpSpPr/>
+        <p:nvPr/>
+      </p:nvGrpSpPr>
+      <p:grpSpPr>
+        <a:xfrm>
+          <a:off x="0" y="0"/>
+          <a:ext cx="0" cy="0"/>
+          <a:chOff x="0" y="0"/>
+          <a:chExt cx="0" cy="0"/>
+        </a:xfrm>
+      </p:grpSpPr>
+      <p:sp>
+        <p:nvSpPr>
+          <p:cNvPr id="2" name="Title 1">
+            <a:extLst>
+              <a:ext uri="{FF2B5EF4-FFF2-40B4-BE49-F238E27FC236}">
+                <a16:creationId xmlns:a16="http://schemas.microsoft.com/office/drawing/2014/main" id="{D059B674-3BCD-20D5-C302-E0DC39DA5D5A}"/>
+              </a:ext>
+            </a:extLst>
+          </p:cNvPr>
+          <p:cNvSpPr>
+            <a:spLocks noGrp="1"/>
+          </p:cNvSpPr>
+          <p:nvPr>
+            <p:ph type="title"/>
+          </p:nvPr>
+        </p:nvSpPr>
+        <p:spPr/>
+        <p:txBody>
+          <a:bodyPr/>
+          <a:lstStyle/>
+          <a:p>
+            <a:r>
+              <a:rPr lang="en-US" dirty="0"/>
+              <a:t>Regression Trees</a:t>
+            </a:r>
+          </a:p>
+        </p:txBody>
+      </p:sp>
+      <p:sp>
+        <p:nvSpPr>
+          <p:cNvPr id="3" name="Content Placeholder 2">
+            <a:extLst>
+              <a:ext uri="{FF2B5EF4-FFF2-40B4-BE49-F238E27FC236}">
+                <a16:creationId xmlns:a16="http://schemas.microsoft.com/office/drawing/2014/main" id="{17F52D4C-E05E-1CED-25ED-4115742E60FB}"/>
+              </a:ext>
+            </a:extLst>
+          </p:cNvPr>
+          <p:cNvSpPr>
+            <a:spLocks noGrp="1"/>
+          </p:cNvSpPr>
+          <p:nvPr>
+            <p:ph idx="1"/>
+          </p:nvPr>
+        </p:nvSpPr>
+        <p:spPr>
+          <a:xfrm>
+            <a:off x="849086" y="1853754"/>
+            <a:ext cx="10719707" cy="4199727"/>
+          </a:xfrm>
+        </p:spPr>
+        <p:txBody>
+          <a:bodyPr>
+            <a:normAutofit lnSpcReduction="10000"/>
+          </a:bodyPr>
+          <a:lstStyle/>
+          <a:p>
+            <a:r>
+              <a:rPr lang="en-US" dirty="0"/>
+              <a:t>Regression tree strengths and weaknesses are similar to classification trees:</a:t>
+            </a:r>
+          </a:p>
+          <a:p>
+            <a:pPr lvl="1"/>
+            <a:r>
+              <a:rPr lang="en-US" dirty="0"/>
+              <a:t>Strengths: adapt to any relationship, able to be very accurate, explainable, fast. </a:t>
+            </a:r>
+          </a:p>
+          <a:p>
+            <a:pPr lvl="1"/>
+            <a:r>
+              <a:rPr lang="en-US" dirty="0"/>
+              <a:t>Weaknesses: overfitting by default, improvements limit interpretability, limited output values. </a:t>
+            </a:r>
+          </a:p>
+          <a:p>
+            <a:r>
+              <a:rPr lang="en-US" dirty="0"/>
+              <a:t>If the output domain is limited, relationships in data are non-linear, and interpretability is important, reg trees are a strong option. </a:t>
+            </a:r>
+          </a:p>
+          <a:p>
+            <a:r>
+              <a:rPr lang="en-US" dirty="0"/>
+              <a:t>In most other cases, some other model will likely win out. </a:t>
+            </a:r>
+          </a:p>
+          <a:p>
+            <a:pPr lvl="1"/>
+            <a:r>
+              <a:rPr lang="en-US" dirty="0"/>
+              <a:t>Trees are more common in classification. </a:t>
+            </a:r>
+          </a:p>
+          <a:p>
+            <a:r>
+              <a:rPr lang="en-US" dirty="0"/>
+              <a:t>Regression trees are also commonly used in gradient boosting models that are top class. </a:t>
+            </a:r>
+          </a:p>
+          <a:p>
+            <a:r>
+              <a:rPr lang="en-US" dirty="0"/>
+              <a:t>The concepts of model size, fitting, HP tuning, regularization, and cost carry over to other models. </a:t>
+            </a:r>
+          </a:p>
+          <a:p>
+            <a:r>
+              <a:rPr lang="en-US" dirty="0"/>
+              <a:t>The concepts of a penalty, regularization, and measuring the overall ‘cost’ will be big later. </a:t>
+            </a:r>
+          </a:p>
+        </p:txBody>
+      </p:sp>
+    </p:spTree>
+    <p:extLst>
+      <p:ext uri="{BB962C8B-B14F-4D97-AF65-F5344CB8AC3E}">
+        <p14:creationId xmlns:p14="http://schemas.microsoft.com/office/powerpoint/2010/main" val="4267605924"/>
+      </p:ext>
+    </p:extLst>
+  </p:cSld>
+  <p:clrMapOvr>
+    <a:masterClrMapping/>
+  </p:clrMapOvr>
+</p:sld>
+</file>
+
+<file path=ppt/slides/slide2.xml><?xml version="1.0" encoding="utf-8"?>
+<p:sld xmlns:a="http://schemas.openxmlformats.org/drawingml/2006/main" xmlns:r="http://schemas.openxmlformats.org/officeDocument/2006/relationships" xmlns:p="http://schemas.openxmlformats.org/presentationml/2006/main">
+  <p:cSld>
+    <p:spTree>
+      <p:nvGrpSpPr>
+        <p:cNvPr id="1" name=""/>
+        <p:cNvGrpSpPr/>
+        <p:nvPr/>
+      </p:nvGrpSpPr>
+      <p:grpSpPr>
+        <a:xfrm>
+          <a:off x="0" y="0"/>
+          <a:ext cx="0" cy="0"/>
+          <a:chOff x="0" y="0"/>
+          <a:chExt cx="0" cy="0"/>
+        </a:xfrm>
+      </p:grpSpPr>
+      <p:sp>
+        <p:nvSpPr>
+          <p:cNvPr id="2" name="Title 1">
+            <a:extLst>
+              <a:ext uri="{FF2B5EF4-FFF2-40B4-BE49-F238E27FC236}">
+                <a16:creationId xmlns:a16="http://schemas.microsoft.com/office/drawing/2014/main" id="{EA35EB91-C72A-152B-208A-0CF052272E25}"/>
+              </a:ext>
+            </a:extLst>
+          </p:cNvPr>
+          <p:cNvSpPr>
+            <a:spLocks noGrp="1"/>
+          </p:cNvSpPr>
+          <p:nvPr>
+            <p:ph type="title"/>
+          </p:nvPr>
+        </p:nvSpPr>
+        <p:spPr/>
+        <p:txBody>
+          <a:bodyPr/>
+          <a:lstStyle/>
+          <a:p>
+            <a:r>
+              <a:rPr lang="en-US" dirty="0"/>
+              <a:t>Practice, In General</a:t>
+            </a:r>
+          </a:p>
+        </p:txBody>
+      </p:sp>
+      <p:sp>
+        <p:nvSpPr>
+          <p:cNvPr id="3" name="Content Placeholder 2">
+            <a:extLst>
+              <a:ext uri="{FF2B5EF4-FFF2-40B4-BE49-F238E27FC236}">
+                <a16:creationId xmlns:a16="http://schemas.microsoft.com/office/drawing/2014/main" id="{CADA70C5-48AC-8356-85BB-D35B3E6E7831}"/>
+              </a:ext>
+            </a:extLst>
+          </p:cNvPr>
+          <p:cNvSpPr>
+            <a:spLocks noGrp="1"/>
+          </p:cNvSpPr>
+          <p:nvPr>
+            <p:ph idx="1"/>
+          </p:nvPr>
+        </p:nvSpPr>
+        <p:spPr>
+          <a:xfrm>
+            <a:off x="1451579" y="1919484"/>
+            <a:ext cx="9914186" cy="4133997"/>
+          </a:xfrm>
+        </p:spPr>
+        <p:txBody>
+          <a:bodyPr>
+            <a:normAutofit lnSpcReduction="10000"/>
+          </a:bodyPr>
+          <a:lstStyle/>
+          <a:p>
+            <a:r>
+              <a:rPr lang="en-US" dirty="0"/>
+              <a:t>For the most part, the sklearn tools are interchangeable. </a:t>
+            </a:r>
+          </a:p>
+          <a:p>
+            <a:r>
+              <a:rPr lang="en-US" dirty="0"/>
+              <a:t>This makes it easy to practice if you need more than the built-in ones:</a:t>
+            </a:r>
+          </a:p>
+          <a:p>
+            <a:pPr lvl="1"/>
+            <a:r>
+              <a:rPr lang="en-US" dirty="0"/>
+              <a:t>Pretty much any other dataset can be used – make a model, include whatever you’re unsure of in the pipeline, see the results. </a:t>
+            </a:r>
+          </a:p>
+          <a:p>
+            <a:pPr lvl="2"/>
+            <a:r>
+              <a:rPr lang="en-US" dirty="0"/>
+              <a:t>One caveat is data with specific characteristics – imbalanced data, explicitly non-linear, </a:t>
+            </a:r>
+            <a:r>
+              <a:rPr lang="en-US" dirty="0" err="1"/>
+              <a:t>etc</a:t>
+            </a:r>
+            <a:r>
+              <a:rPr lang="en-US" dirty="0"/>
+              <a:t>…</a:t>
+            </a:r>
+          </a:p>
+          <a:p>
+            <a:pPr lvl="1"/>
+            <a:r>
+              <a:rPr lang="en-US" dirty="0"/>
+              <a:t>Sklearn make datasets – module with methods to make data, including specific types. </a:t>
+            </a:r>
+          </a:p>
+          <a:p>
+            <a:pPr lvl="1"/>
+            <a:r>
+              <a:rPr lang="en-US" dirty="0"/>
+              <a:t>Seaborn and sklearn both have built in datasets, just google for an example of loading. </a:t>
+            </a:r>
+          </a:p>
+          <a:p>
+            <a:r>
+              <a:rPr lang="en-US" dirty="0"/>
+              <a:t>I recommend starting basic if you’re stuck – can I make </a:t>
+            </a:r>
+            <a:r>
+              <a:rPr lang="en-US" i="1" dirty="0"/>
+              <a:t>a</a:t>
+            </a:r>
+            <a:r>
+              <a:rPr lang="en-US" dirty="0"/>
+              <a:t> model, then expand slowly. </a:t>
+            </a:r>
+          </a:p>
+          <a:p>
+            <a:pPr lvl="1"/>
+            <a:r>
+              <a:rPr lang="en-US" dirty="0"/>
+              <a:t>E.g. a multi-path pipeline (cat/num) may be complex, we can test one half of features, then add…</a:t>
+            </a:r>
+          </a:p>
+          <a:p>
+            <a:r>
+              <a:rPr lang="en-US" dirty="0"/>
+              <a:t>If you’re unsure past this (like you need some specific example), please ask. </a:t>
+            </a:r>
+          </a:p>
+        </p:txBody>
+      </p:sp>
+    </p:spTree>
+    <p:extLst>
+      <p:ext uri="{BB962C8B-B14F-4D97-AF65-F5344CB8AC3E}">
+        <p14:creationId xmlns:p14="http://schemas.microsoft.com/office/powerpoint/2010/main" val="1569749567"/>
+      </p:ext>
+    </p:extLst>
+  </p:cSld>
+  <p:clrMapOvr>
+    <a:masterClrMapping/>
+  </p:clrMapOvr>
+</p:sld>
+</file>
+
+<file path=ppt/slides/slide20.xml><?xml version="1.0" encoding="utf-8"?>
+<p:sld xmlns:a="http://schemas.openxmlformats.org/drawingml/2006/main" xmlns:r="http://schemas.openxmlformats.org/officeDocument/2006/relationships" xmlns:p="http://schemas.openxmlformats.org/presentationml/2006/main">
+  <p:cSld>
+    <p:spTree>
+      <p:nvGrpSpPr>
+        <p:cNvPr id="1" name=""/>
+        <p:cNvGrpSpPr/>
+        <p:nvPr/>
+      </p:nvGrpSpPr>
+      <p:grpSpPr>
+        <a:xfrm>
+          <a:off x="0" y="0"/>
+          <a:ext cx="0" cy="0"/>
+          <a:chOff x="0" y="0"/>
+          <a:chExt cx="0" cy="0"/>
+        </a:xfrm>
+      </p:grpSpPr>
+      <p:sp>
+        <p:nvSpPr>
+          <p:cNvPr id="2" name="Title 1">
+            <a:extLst>
+              <a:ext uri="{FF2B5EF4-FFF2-40B4-BE49-F238E27FC236}">
+                <a16:creationId xmlns:a16="http://schemas.microsoft.com/office/drawing/2014/main" id="{1DCB2896-2C1B-DD81-ED2B-1D0B1C4B6B58}"/>
+              </a:ext>
+            </a:extLst>
+          </p:cNvPr>
+          <p:cNvSpPr>
+            <a:spLocks noGrp="1"/>
+          </p:cNvSpPr>
+          <p:nvPr>
+            <p:ph type="title"/>
+          </p:nvPr>
+        </p:nvSpPr>
+        <p:spPr/>
+        <p:txBody>
+          <a:bodyPr/>
+          <a:lstStyle/>
+          <a:p>
+            <a:r>
+              <a:rPr lang="en-US" dirty="0"/>
+              <a:t>Trees!</a:t>
+            </a:r>
+          </a:p>
+        </p:txBody>
+      </p:sp>
+      <p:sp>
+        <p:nvSpPr>
+          <p:cNvPr id="3" name="Content Placeholder 2">
+            <a:extLst>
+              <a:ext uri="{FF2B5EF4-FFF2-40B4-BE49-F238E27FC236}">
+                <a16:creationId xmlns:a16="http://schemas.microsoft.com/office/drawing/2014/main" id="{D68D364A-8A44-56EF-3FA1-22DC52D1FE22}"/>
+              </a:ext>
+            </a:extLst>
+          </p:cNvPr>
+          <p:cNvSpPr>
+            <a:spLocks noGrp="1"/>
+          </p:cNvSpPr>
+          <p:nvPr>
+            <p:ph idx="1"/>
+          </p:nvPr>
+        </p:nvSpPr>
+        <p:spPr>
+          <a:xfrm>
+            <a:off x="1451579" y="1853754"/>
+            <a:ext cx="9876401" cy="4199727"/>
+          </a:xfrm>
+        </p:spPr>
+        <p:txBody>
+          <a:bodyPr/>
+          <a:lstStyle/>
+          <a:p>
+            <a:r>
+              <a:rPr lang="en-US" dirty="0"/>
+              <a:t>Trees are a commonly used machine learning model:</a:t>
+            </a:r>
+          </a:p>
+          <a:p>
+            <a:pPr lvl="1"/>
+            <a:r>
+              <a:rPr lang="en-US" dirty="0"/>
+              <a:t>Supervised learning, can do classification and regression. </a:t>
+            </a:r>
+          </a:p>
+          <a:p>
+            <a:pPr lvl="1"/>
+            <a:r>
+              <a:rPr lang="en-US" dirty="0"/>
+              <a:t>Able to handle non-linear relationships well – very adaptable to complex relationships. </a:t>
+            </a:r>
+          </a:p>
+          <a:p>
+            <a:pPr lvl="1"/>
+            <a:r>
+              <a:rPr lang="en-US" dirty="0"/>
+              <a:t>Able to be transparent, clear, and explained – good where a black box is disallowed. </a:t>
+            </a:r>
+          </a:p>
+          <a:p>
+            <a:r>
+              <a:rPr lang="en-US" dirty="0"/>
+              <a:t>Trees tend to overfit if not limited – will keep improving to 100% training accuracy.</a:t>
+            </a:r>
+          </a:p>
+          <a:p>
+            <a:pPr lvl="1"/>
+            <a:r>
+              <a:rPr lang="en-US" dirty="0"/>
+              <a:t>Hyperparameter tuning and grid searches in a pipeline – test multiple options for best. </a:t>
+            </a:r>
+          </a:p>
+          <a:p>
+            <a:pPr lvl="1"/>
+            <a:r>
+              <a:rPr lang="en-US" dirty="0"/>
+              <a:t>Regularization (</a:t>
+            </a:r>
+            <a:r>
+              <a:rPr lang="en-US" dirty="0" err="1"/>
+              <a:t>ccp</a:t>
+            </a:r>
+            <a:r>
+              <a:rPr lang="en-US" dirty="0"/>
+              <a:t>) – limiting growth by penalizing a larger model as well as an inaccurate one.</a:t>
+            </a:r>
+          </a:p>
+          <a:p>
+            <a:pPr lvl="1"/>
+            <a:r>
+              <a:rPr lang="en-US" dirty="0"/>
+              <a:t>Ensembles – combine multiple trees to mitigate their weaknesses. Bootstrapping and bagging.</a:t>
+            </a:r>
+          </a:p>
+          <a:p>
+            <a:pPr lvl="2"/>
+            <a:r>
+              <a:rPr lang="en-US" dirty="0"/>
+              <a:t>Future models will combine trees in series for similar reasons. </a:t>
+            </a:r>
+          </a:p>
+          <a:p>
+            <a:r>
+              <a:rPr lang="en-US" dirty="0"/>
+              <a:t>Other model types do the same thing, but they’re harder to ‘see’ the inner workings.  </a:t>
+            </a:r>
+          </a:p>
+        </p:txBody>
+      </p:sp>
+    </p:spTree>
+    <p:extLst>
+      <p:ext uri="{BB962C8B-B14F-4D97-AF65-F5344CB8AC3E}">
+        <p14:creationId xmlns:p14="http://schemas.microsoft.com/office/powerpoint/2010/main" val="175469927"/>
+      </p:ext>
+    </p:extLst>
+  </p:cSld>
+  <p:clrMapOvr>
+    <a:masterClrMapping/>
+  </p:clrMapOvr>
+</p:sld>
+</file>
+
+<file path=ppt/slides/slide3.xml><?xml version="1.0" encoding="utf-8"?>
+<p:sld xmlns:a="http://schemas.openxmlformats.org/drawingml/2006/main" xmlns:r="http://schemas.openxmlformats.org/officeDocument/2006/relationships" xmlns:p="http://schemas.openxmlformats.org/presentationml/2006/main">
+  <p:cSld>
+    <p:spTree>
+      <p:nvGrpSpPr>
+        <p:cNvPr id="1" name=""/>
+        <p:cNvGrpSpPr/>
+        <p:nvPr/>
+      </p:nvGrpSpPr>
+      <p:grpSpPr>
+        <a:xfrm>
+          <a:off x="0" y="0"/>
+          <a:ext cx="0" cy="0"/>
+          <a:chOff x="0" y="0"/>
+          <a:chExt cx="0" cy="0"/>
+        </a:xfrm>
+      </p:grpSpPr>
+      <p:sp>
+        <p:nvSpPr>
+          <p:cNvPr id="2" name="Title 1">
+            <a:extLst>
+              <a:ext uri="{FF2B5EF4-FFF2-40B4-BE49-F238E27FC236}">
+                <a16:creationId xmlns:a16="http://schemas.microsoft.com/office/drawing/2014/main" id="{495E7C4F-7342-953A-C5EC-2245430AD6CE}"/>
+              </a:ext>
+            </a:extLst>
+          </p:cNvPr>
+          <p:cNvSpPr>
+            <a:spLocks noGrp="1"/>
+          </p:cNvSpPr>
+          <p:nvPr>
+            <p:ph type="ctrTitle"/>
+          </p:nvPr>
+        </p:nvSpPr>
+        <p:spPr/>
+        <p:txBody>
+          <a:bodyPr/>
+          <a:lstStyle/>
+          <a:p>
+            <a:r>
+              <a:rPr lang="en-US" dirty="0"/>
+              <a:t>Regression Trees</a:t>
+            </a:r>
+          </a:p>
+        </p:txBody>
+      </p:sp>
+      <p:sp>
+        <p:nvSpPr>
+          <p:cNvPr id="3" name="Subtitle 2">
+            <a:extLst>
+              <a:ext uri="{FF2B5EF4-FFF2-40B4-BE49-F238E27FC236}">
+                <a16:creationId xmlns:a16="http://schemas.microsoft.com/office/drawing/2014/main" id="{C62555E3-BB0C-AEF1-19B3-1B2985076A45}"/>
+              </a:ext>
+            </a:extLst>
+          </p:cNvPr>
+          <p:cNvSpPr>
+            <a:spLocks noGrp="1"/>
+          </p:cNvSpPr>
+          <p:nvPr>
+            <p:ph type="subTitle" idx="1"/>
+          </p:nvPr>
+        </p:nvSpPr>
+        <p:spPr/>
+        <p:txBody>
+          <a:bodyPr/>
+          <a:lstStyle/>
+          <a:p>
+            <a:endParaRPr lang="en-US"/>
+          </a:p>
+        </p:txBody>
+      </p:sp>
+    </p:spTree>
+    <p:extLst>
+      <p:ext uri="{BB962C8B-B14F-4D97-AF65-F5344CB8AC3E}">
+        <p14:creationId xmlns:p14="http://schemas.microsoft.com/office/powerpoint/2010/main" val="1182131768"/>
+      </p:ext>
+    </p:extLst>
+  </p:cSld>
+  <p:clrMapOvr>
+    <a:masterClrMapping/>
+  </p:clrMapOvr>
+</p:sld>
+</file>
+
+<file path=ppt/slides/slide4.xml><?xml version="1.0" encoding="utf-8"?>
+<p:sld xmlns:a="http://schemas.openxmlformats.org/drawingml/2006/main" xmlns:r="http://schemas.openxmlformats.org/officeDocument/2006/relationships" xmlns:p="http://schemas.openxmlformats.org/presentationml/2006/main">
+  <p:cSld>
+    <p:spTree>
+      <p:nvGrpSpPr>
+        <p:cNvPr id="1" name=""/>
+        <p:cNvGrpSpPr/>
+        <p:nvPr/>
+      </p:nvGrpSpPr>
+      <p:grpSpPr>
+        <a:xfrm>
+          <a:off x="0" y="0"/>
+          <a:ext cx="0" cy="0"/>
+          <a:chOff x="0" y="0"/>
+          <a:chExt cx="0" cy="0"/>
+        </a:xfrm>
+      </p:grpSpPr>
+      <p:sp>
+        <p:nvSpPr>
+          <p:cNvPr id="2" name="Title 1">
+            <a:extLst>
+              <a:ext uri="{FF2B5EF4-FFF2-40B4-BE49-F238E27FC236}">
+                <a16:creationId xmlns:a16="http://schemas.microsoft.com/office/drawing/2014/main" id="{1EADC578-EBB9-3E0D-47BC-337BEB1DCA58}"/>
+              </a:ext>
+            </a:extLst>
+          </p:cNvPr>
+          <p:cNvSpPr>
+            <a:spLocks noGrp="1"/>
+          </p:cNvSpPr>
+          <p:nvPr>
+            <p:ph type="title"/>
+          </p:nvPr>
+        </p:nvSpPr>
+        <p:spPr/>
+        <p:txBody>
+          <a:bodyPr/>
+          <a:lstStyle/>
+          <a:p>
+            <a:r>
+              <a:rPr lang="en-US" dirty="0"/>
+              <a:t>Trees</a:t>
+            </a:r>
+          </a:p>
+        </p:txBody>
+      </p:sp>
+      <p:sp>
+        <p:nvSpPr>
+          <p:cNvPr id="3" name="Content Placeholder 2">
+            <a:extLst>
+              <a:ext uri="{FF2B5EF4-FFF2-40B4-BE49-F238E27FC236}">
+                <a16:creationId xmlns:a16="http://schemas.microsoft.com/office/drawing/2014/main" id="{FC0F25FD-A806-B1BA-394F-9D947385DCF1}"/>
+              </a:ext>
+            </a:extLst>
+          </p:cNvPr>
+          <p:cNvSpPr>
+            <a:spLocks noGrp="1"/>
+          </p:cNvSpPr>
+          <p:nvPr>
+            <p:ph idx="1"/>
+          </p:nvPr>
+        </p:nvSpPr>
+        <p:spPr>
+          <a:xfrm>
+            <a:off x="1" y="2015732"/>
+            <a:ext cx="6286499" cy="4037749"/>
+          </a:xfrm>
+        </p:spPr>
+        <p:txBody>
+          <a:bodyPr/>
+          <a:lstStyle/>
+          <a:p>
+            <a:r>
+              <a:rPr lang="en-US" dirty="0"/>
+              <a:t>Thus far we’ve only looked at classification trees. </a:t>
+            </a:r>
+          </a:p>
+          <a:p>
+            <a:r>
+              <a:rPr lang="en-US" dirty="0"/>
+              <a:t>We can use a tree to do regression as well. </a:t>
+            </a:r>
+          </a:p>
+          <a:p>
+            <a:r>
+              <a:rPr lang="en-US" dirty="0"/>
+              <a:t>Practical usage is not really any different in sklearn. </a:t>
+            </a:r>
+          </a:p>
+          <a:p>
+            <a:pPr lvl="1"/>
+            <a:r>
+              <a:rPr lang="en-US" dirty="0"/>
+              <a:t>Interchangeable with other regression models. </a:t>
+            </a:r>
+          </a:p>
+          <a:p>
+            <a:r>
+              <a:rPr lang="en-US" dirty="0"/>
+              <a:t>The logic of how a tree works remains the same, some details change.</a:t>
+            </a:r>
+          </a:p>
+          <a:p>
+            <a:r>
+              <a:rPr lang="en-US" dirty="0"/>
+              <a:t>Note: the features for class/reg trees can always be anything, type is referring to the target only. </a:t>
+            </a:r>
+          </a:p>
+        </p:txBody>
+      </p:sp>
+      <p:pic>
+        <p:nvPicPr>
+          <p:cNvPr id="1026" name="Picture 2" descr="decision tree regression for Sale,Up To OFF 78%">
+            <a:extLst>
+              <a:ext uri="{FF2B5EF4-FFF2-40B4-BE49-F238E27FC236}">
+                <a16:creationId xmlns:a16="http://schemas.microsoft.com/office/drawing/2014/main" id="{2243DE2C-712B-4CEC-454D-6ACB69259EF4}"/>
               </a:ext>
             </a:extLst>
           </p:cNvPr>
@@ -5462,14 +6093,15 @@
               </a:ext>
             </a:extLst>
           </a:blip>
+          <a:srcRect/>
           <a:stretch>
             <a:fillRect/>
           </a:stretch>
         </p:blipFill>
         <p:spPr bwMode="auto">
           <a:xfrm>
-            <a:off x="0" y="2015734"/>
-            <a:ext cx="6815005" cy="3748252"/>
+            <a:off x="6096000" y="0"/>
+            <a:ext cx="6095999" cy="6053481"/>
           </a:xfrm>
           <a:prstGeom prst="rect">
             <a:avLst/>
@@ -5486,12 +6118,70 @@
           </a:extLst>
         </p:spPr>
       </p:pic>
+    </p:spTree>
+    <p:extLst>
+      <p:ext uri="{BB962C8B-B14F-4D97-AF65-F5344CB8AC3E}">
+        <p14:creationId xmlns:p14="http://schemas.microsoft.com/office/powerpoint/2010/main" val="2908708752"/>
+      </p:ext>
+    </p:extLst>
+  </p:cSld>
+  <p:clrMapOvr>
+    <a:masterClrMapping/>
+  </p:clrMapOvr>
+</p:sld>
+</file>
+
+<file path=ppt/slides/slide5.xml><?xml version="1.0" encoding="utf-8"?>
+<p:sld xmlns:a="http://schemas.openxmlformats.org/drawingml/2006/main" xmlns:r="http://schemas.openxmlformats.org/officeDocument/2006/relationships" xmlns:p="http://schemas.openxmlformats.org/presentationml/2006/main">
+  <p:cSld>
+    <p:spTree>
+      <p:nvGrpSpPr>
+        <p:cNvPr id="1" name=""/>
+        <p:cNvGrpSpPr/>
+        <p:nvPr/>
+      </p:nvGrpSpPr>
+      <p:grpSpPr>
+        <a:xfrm>
+          <a:off x="0" y="0"/>
+          <a:ext cx="0" cy="0"/>
+          <a:chOff x="0" y="0"/>
+          <a:chExt cx="0" cy="0"/>
+        </a:xfrm>
+      </p:grpSpPr>
+      <p:sp>
+        <p:nvSpPr>
+          <p:cNvPr id="2" name="Title 1">
+            <a:extLst>
+              <a:ext uri="{FF2B5EF4-FFF2-40B4-BE49-F238E27FC236}">
+                <a16:creationId xmlns:a16="http://schemas.microsoft.com/office/drawing/2014/main" id="{618DD182-479B-E651-62F1-DC97781DA694}"/>
+              </a:ext>
+            </a:extLst>
+          </p:cNvPr>
+          <p:cNvSpPr>
+            <a:spLocks noGrp="1"/>
+          </p:cNvSpPr>
+          <p:nvPr>
+            <p:ph type="title"/>
+          </p:nvPr>
+        </p:nvSpPr>
+        <p:spPr/>
+        <p:txBody>
+          <a:bodyPr/>
+          <a:lstStyle/>
+          <a:p>
+            <a:r>
+              <a:rPr lang="en-US" dirty="0"/>
+              <a:t>Tree Changes</a:t>
+            </a:r>
+          </a:p>
+        </p:txBody>
+      </p:sp>
       <p:sp>
         <p:nvSpPr>
           <p:cNvPr id="3" name="Content Placeholder 2">
             <a:extLst>
               <a:ext uri="{FF2B5EF4-FFF2-40B4-BE49-F238E27FC236}">
-                <a16:creationId xmlns:a16="http://schemas.microsoft.com/office/drawing/2014/main" id="{336DEC24-9108-7DDC-4107-8113BB10DBD5}"/>
+                <a16:creationId xmlns:a16="http://schemas.microsoft.com/office/drawing/2014/main" id="{92AC9BEC-D69D-8041-39B8-41CECEDFD23F}"/>
               </a:ext>
             </a:extLst>
           </p:cNvPr>
@@ -5504,41 +6194,338 @@
         </p:nvSpPr>
         <p:spPr>
           <a:xfrm>
-            <a:off x="6892299" y="2015734"/>
-            <a:ext cx="5299701" cy="4037747"/>
+            <a:off x="136634" y="1853754"/>
+            <a:ext cx="5686097" cy="4199727"/>
           </a:xfrm>
         </p:spPr>
         <p:txBody>
           <a:bodyPr>
-            <a:normAutofit/>
+            <a:normAutofit lnSpcReduction="10000"/>
           </a:bodyPr>
           <a:lstStyle/>
           <a:p>
             <a:r>
-              <a:rPr lang="en-US" sz="2800" dirty="0"/>
-              <a:t>Just like a classification tree, the regression tree predicts based on the value of the final leaf node. </a:t>
+              <a:rPr lang="en-US" sz="2400" dirty="0"/>
+              <a:t>The ‘purity’ (entropy/</a:t>
+            </a:r>
+            <a:r>
+              <a:rPr lang="en-US" sz="2400" dirty="0" err="1"/>
+              <a:t>gini</a:t>
+            </a:r>
+            <a:r>
+              <a:rPr lang="en-US" sz="2400" dirty="0"/>
+              <a:t>) of each split becomes the mean squared error. </a:t>
             </a:r>
           </a:p>
           <a:p>
             <a:pPr lvl="1"/>
             <a:r>
+              <a:rPr lang="en-US" sz="2000" dirty="0"/>
+              <a:t>Instead of finding a split to maximize purity, it looks for one to minimize MSE. </a:t>
+            </a:r>
+          </a:p>
+          <a:p>
+            <a:r>
               <a:rPr lang="en-US" sz="2400" dirty="0"/>
-              <a:t>In a classification tree it is the predominant class of that node. </a:t>
+              <a:t>The predication of each leaf node is a value, not a class. </a:t>
             </a:r>
           </a:p>
           <a:p>
             <a:pPr lvl="1"/>
             <a:r>
-              <a:rPr lang="en-US" sz="2400" dirty="0"/>
-              <a:t>In a regression tree it is the mean of the values in that node. </a:t>
-            </a:r>
-          </a:p>
-        </p:txBody>
-      </p:sp>
+              <a:rPr lang="en-US" sz="2000" dirty="0"/>
+              <a:t>In classification trees, the majority class in a leaf is its value. </a:t>
+            </a:r>
+          </a:p>
+          <a:p>
+            <a:pPr lvl="1"/>
+            <a:r>
+              <a:rPr lang="en-US" sz="2000" dirty="0"/>
+              <a:t>In regression trees, the mean of the records in it is its value. </a:t>
+            </a:r>
+          </a:p>
+          <a:p>
+            <a:endParaRPr lang="en-US" sz="2400" dirty="0"/>
+          </a:p>
+        </p:txBody>
+      </p:sp>
+      <p:pic>
+        <p:nvPicPr>
+          <p:cNvPr id="3074" name="Picture 2" descr="Development and evaluation of regression tree models for predicting  in-hospital mortality of a national registry of COVID-19 patients over six  pandemic surges | BMC Medical Informatics and Decision Making | Full Text">
+            <a:extLst>
+              <a:ext uri="{FF2B5EF4-FFF2-40B4-BE49-F238E27FC236}">
+                <a16:creationId xmlns:a16="http://schemas.microsoft.com/office/drawing/2014/main" id="{CEB14CF0-593B-CAC7-8DB5-70B3BDFBF8E3}"/>
+              </a:ext>
+            </a:extLst>
+          </p:cNvPr>
+          <p:cNvPicPr>
+            <a:picLocks noChangeAspect="1" noChangeArrowheads="1"/>
+          </p:cNvPicPr>
+          <p:nvPr/>
+        </p:nvPicPr>
+        <p:blipFill>
+          <a:blip r:embed="rId2">
+            <a:extLst>
+              <a:ext uri="{28A0092B-C50C-407E-A947-70E740481C1C}">
+                <a14:useLocalDpi xmlns:a14="http://schemas.microsoft.com/office/drawing/2010/main" val="0"/>
+              </a:ext>
+            </a:extLst>
+          </a:blip>
+          <a:srcRect/>
+          <a:stretch>
+            <a:fillRect/>
+          </a:stretch>
+        </p:blipFill>
+        <p:spPr bwMode="auto">
+          <a:xfrm>
+            <a:off x="5934709" y="1660634"/>
+            <a:ext cx="6257291" cy="5197366"/>
+          </a:xfrm>
+          <a:prstGeom prst="rect">
+            <a:avLst/>
+          </a:prstGeom>
+          <a:noFill/>
+          <a:extLst>
+            <a:ext uri="{909E8E84-426E-40DD-AFC4-6F175D3DCCD1}">
+              <a14:hiddenFill xmlns:a14="http://schemas.microsoft.com/office/drawing/2010/main">
+                <a:solidFill>
+                  <a:srgbClr val="FFFFFF"/>
+                </a:solidFill>
+              </a14:hiddenFill>
+            </a:ext>
+          </a:extLst>
+        </p:spPr>
+      </p:pic>
     </p:spTree>
     <p:extLst>
       <p:ext uri="{BB962C8B-B14F-4D97-AF65-F5344CB8AC3E}">
-        <p14:creationId xmlns:p14="http://schemas.microsoft.com/office/powerpoint/2010/main" val="2268700501"/>
+        <p14:creationId xmlns:p14="http://schemas.microsoft.com/office/powerpoint/2010/main" val="1063414855"/>
+      </p:ext>
+    </p:extLst>
+  </p:cSld>
+  <p:clrMapOvr>
+    <a:masterClrMapping/>
+  </p:clrMapOvr>
+</p:sld>
+</file>
+
+<file path=ppt/slides/slide6.xml><?xml version="1.0" encoding="utf-8"?>
+<p:sld xmlns:a="http://schemas.openxmlformats.org/drawingml/2006/main" xmlns:r="http://schemas.openxmlformats.org/officeDocument/2006/relationships" xmlns:p="http://schemas.openxmlformats.org/presentationml/2006/main">
+  <p:cSld>
+    <p:spTree>
+      <p:nvGrpSpPr>
+        <p:cNvPr id="1" name=""/>
+        <p:cNvGrpSpPr/>
+        <p:nvPr/>
+      </p:nvGrpSpPr>
+      <p:grpSpPr>
+        <a:xfrm>
+          <a:off x="0" y="0"/>
+          <a:ext cx="0" cy="0"/>
+          <a:chOff x="0" y="0"/>
+          <a:chExt cx="0" cy="0"/>
+        </a:xfrm>
+      </p:grpSpPr>
+      <p:sp>
+        <p:nvSpPr>
+          <p:cNvPr id="2" name="Title 1">
+            <a:extLst>
+              <a:ext uri="{FF2B5EF4-FFF2-40B4-BE49-F238E27FC236}">
+                <a16:creationId xmlns:a16="http://schemas.microsoft.com/office/drawing/2014/main" id="{691C052E-A134-94EB-A999-A88D1C1518FF}"/>
+              </a:ext>
+            </a:extLst>
+          </p:cNvPr>
+          <p:cNvSpPr>
+            <a:spLocks noGrp="1"/>
+          </p:cNvSpPr>
+          <p:nvPr>
+            <p:ph type="title"/>
+          </p:nvPr>
+        </p:nvSpPr>
+        <p:spPr/>
+        <p:txBody>
+          <a:bodyPr/>
+          <a:lstStyle/>
+          <a:p>
+            <a:r>
+              <a:rPr lang="en-US" dirty="0"/>
+              <a:t>Deciding Splits</a:t>
+            </a:r>
+          </a:p>
+        </p:txBody>
+      </p:sp>
+      <p:sp>
+        <p:nvSpPr>
+          <p:cNvPr id="3" name="Content Placeholder 2">
+            <a:extLst>
+              <a:ext uri="{FF2B5EF4-FFF2-40B4-BE49-F238E27FC236}">
+                <a16:creationId xmlns:a16="http://schemas.microsoft.com/office/drawing/2014/main" id="{915C7929-7264-8903-BBBF-ED56749BB438}"/>
+              </a:ext>
+            </a:extLst>
+          </p:cNvPr>
+          <p:cNvSpPr>
+            <a:spLocks noGrp="1"/>
+          </p:cNvSpPr>
+          <p:nvPr>
+            <p:ph idx="1"/>
+          </p:nvPr>
+        </p:nvSpPr>
+        <p:spPr>
+          <a:xfrm>
+            <a:off x="0" y="1853754"/>
+            <a:ext cx="8625638" cy="4199727"/>
+          </a:xfrm>
+        </p:spPr>
+        <p:txBody>
+          <a:bodyPr>
+            <a:normAutofit lnSpcReduction="10000"/>
+          </a:bodyPr>
+          <a:lstStyle/>
+          <a:p>
+            <a:r>
+              <a:rPr lang="en-US" dirty="0"/>
+              <a:t>The split decision in a classification tree is based on the purity of the resulting nodes. </a:t>
+            </a:r>
+          </a:p>
+          <a:p>
+            <a:pPr lvl="1"/>
+            <a:r>
+              <a:rPr lang="en-US" dirty="0"/>
+              <a:t>I.e. the goal is to split all True values from all False values. </a:t>
+            </a:r>
+          </a:p>
+          <a:p>
+            <a:pPr lvl="1"/>
+            <a:r>
+              <a:rPr lang="en-US" dirty="0"/>
+              <a:t>The feature and split point (if numeric) are whatever does the best job of discriminating. </a:t>
+            </a:r>
+          </a:p>
+          <a:p>
+            <a:r>
+              <a:rPr lang="en-US" dirty="0"/>
+              <a:t>The split decision in a regression tree is based on the MSE of the result. </a:t>
+            </a:r>
+          </a:p>
+          <a:p>
+            <a:pPr lvl="1"/>
+            <a:r>
+              <a:rPr lang="en-US" dirty="0"/>
+              <a:t>The algorithm will split the data so the MSE of the two nodes is minimized. </a:t>
+            </a:r>
+          </a:p>
+          <a:p>
+            <a:pPr lvl="1"/>
+            <a:r>
+              <a:rPr lang="en-US" sz="1800" dirty="0"/>
+              <a:t>Model still looks for ‘sameness’ but distance based instead of T/F value of same.</a:t>
+            </a:r>
+            <a:endParaRPr lang="en-US" dirty="0"/>
+          </a:p>
+          <a:p>
+            <a:r>
+              <a:rPr lang="en-US" dirty="0"/>
+              <a:t>Note: the concept of having an algorithm work to minimize/maximize something, and allowing that something (cost) to change, is common in machine learning. </a:t>
+            </a:r>
+          </a:p>
+        </p:txBody>
+      </p:sp>
+      <p:pic>
+        <p:nvPicPr>
+          <p:cNvPr id="2054" name="Picture 6" descr="regression-tree">
+            <a:extLst>
+              <a:ext uri="{FF2B5EF4-FFF2-40B4-BE49-F238E27FC236}">
+                <a16:creationId xmlns:a16="http://schemas.microsoft.com/office/drawing/2014/main" id="{2A071DDE-CAB1-50E6-D98E-7EBAE8CDDDE0}"/>
+              </a:ext>
+            </a:extLst>
+          </p:cNvPr>
+          <p:cNvPicPr>
+            <a:picLocks noChangeAspect="1" noChangeArrowheads="1"/>
+          </p:cNvPicPr>
+          <p:nvPr/>
+        </p:nvPicPr>
+        <p:blipFill>
+          <a:blip r:embed="rId2">
+            <a:extLst>
+              <a:ext uri="{28A0092B-C50C-407E-A947-70E740481C1C}">
+                <a14:useLocalDpi xmlns:a14="http://schemas.microsoft.com/office/drawing/2010/main" val="0"/>
+              </a:ext>
+            </a:extLst>
+          </a:blip>
+          <a:srcRect/>
+          <a:stretch>
+            <a:fillRect/>
+          </a:stretch>
+        </p:blipFill>
+        <p:spPr bwMode="auto">
+          <a:xfrm>
+            <a:off x="4938187" y="571964"/>
+            <a:ext cx="7253813" cy="1216478"/>
+          </a:xfrm>
+          <a:prstGeom prst="rect">
+            <a:avLst/>
+          </a:prstGeom>
+          <a:noFill/>
+          <a:extLst>
+            <a:ext uri="{909E8E84-426E-40DD-AFC4-6F175D3DCCD1}">
+              <a14:hiddenFill xmlns:a14="http://schemas.microsoft.com/office/drawing/2010/main">
+                <a:solidFill>
+                  <a:srgbClr val="FFFFFF"/>
+                </a:solidFill>
+              </a14:hiddenFill>
+            </a:ext>
+          </a:extLst>
+        </p:spPr>
+      </p:pic>
+      <p:pic>
+        <p:nvPicPr>
+          <p:cNvPr id="2056" name="Picture 8" descr="Resume of Decision Trees with Scikit-Learn - Jingwen Zheng">
+            <a:extLst>
+              <a:ext uri="{FF2B5EF4-FFF2-40B4-BE49-F238E27FC236}">
+                <a16:creationId xmlns:a16="http://schemas.microsoft.com/office/drawing/2014/main" id="{54B70F36-2A8D-D6CD-BE26-E506B182EFD7}"/>
+              </a:ext>
+            </a:extLst>
+          </p:cNvPr>
+          <p:cNvPicPr>
+            <a:picLocks noChangeAspect="1" noChangeArrowheads="1"/>
+          </p:cNvPicPr>
+          <p:nvPr/>
+        </p:nvPicPr>
+        <p:blipFill rotWithShape="1">
+          <a:blip r:embed="rId3">
+            <a:extLst>
+              <a:ext uri="{28A0092B-C50C-407E-A947-70E740481C1C}">
+                <a14:useLocalDpi xmlns:a14="http://schemas.microsoft.com/office/drawing/2010/main" val="0"/>
+              </a:ext>
+            </a:extLst>
+          </a:blip>
+          <a:srcRect l="24115" r="23634" b="33181"/>
+          <a:stretch/>
+        </p:blipFill>
+        <p:spPr bwMode="auto">
+          <a:xfrm>
+            <a:off x="8625638" y="3543299"/>
+            <a:ext cx="3566362" cy="2510181"/>
+          </a:xfrm>
+          <a:prstGeom prst="rect">
+            <a:avLst/>
+          </a:prstGeom>
+          <a:noFill/>
+          <a:extLst>
+            <a:ext uri="{909E8E84-426E-40DD-AFC4-6F175D3DCCD1}">
+              <a14:hiddenFill xmlns:a14="http://schemas.microsoft.com/office/drawing/2010/main">
+                <a:solidFill>
+                  <a:srgbClr val="FFFFFF"/>
+                </a:solidFill>
+              </a14:hiddenFill>
+            </a:ext>
+          </a:extLst>
+        </p:spPr>
+      </p:pic>
+    </p:spTree>
+    <p:extLst>
+      <p:ext uri="{BB962C8B-B14F-4D97-AF65-F5344CB8AC3E}">
+        <p14:creationId xmlns:p14="http://schemas.microsoft.com/office/powerpoint/2010/main" val="1344401520"/>
       </p:ext>
     </p:extLst>
   </p:cSld>
@@ -5594,6 +6581,190 @@
           <p:cNvPr id="2" name="Title 1">
             <a:extLst>
               <a:ext uri="{FF2B5EF4-FFF2-40B4-BE49-F238E27FC236}">
+                <a16:creationId xmlns:a16="http://schemas.microsoft.com/office/drawing/2014/main" id="{B1917AC6-D281-07BC-C208-7327639FBC6B}"/>
+              </a:ext>
+            </a:extLst>
+          </p:cNvPr>
+          <p:cNvSpPr>
+            <a:spLocks noGrp="1"/>
+          </p:cNvSpPr>
+          <p:nvPr>
+            <p:ph type="title"/>
+          </p:nvPr>
+        </p:nvSpPr>
+        <p:spPr>
+          <a:xfrm>
+            <a:off x="1451579" y="804519"/>
+            <a:ext cx="9603275" cy="1049235"/>
+          </a:xfrm>
+        </p:spPr>
+        <p:txBody>
+          <a:bodyPr>
+            <a:normAutofit/>
+          </a:bodyPr>
+          <a:lstStyle/>
+          <a:p>
+            <a:r>
+              <a:rPr lang="en-US" dirty="0"/>
+              <a:t>Leaf Node Predictions</a:t>
+            </a:r>
+          </a:p>
+        </p:txBody>
+      </p:sp>
+      <p:pic>
+        <p:nvPicPr>
+          <p:cNvPr id="3074" name="Picture 2" descr="Resume of Decision Trees with Scikit-Learn - Jingwen Zheng">
+            <a:extLst>
+              <a:ext uri="{FF2B5EF4-FFF2-40B4-BE49-F238E27FC236}">
+                <a16:creationId xmlns:a16="http://schemas.microsoft.com/office/drawing/2014/main" id="{D9620360-C5A9-62F7-F9BA-946726ECCA24}"/>
+              </a:ext>
+            </a:extLst>
+          </p:cNvPr>
+          <p:cNvPicPr>
+            <a:picLocks noChangeAspect="1" noChangeArrowheads="1"/>
+          </p:cNvPicPr>
+          <p:nvPr/>
+        </p:nvPicPr>
+        <p:blipFill>
+          <a:blip r:embed="rId2">
+            <a:extLst>
+              <a:ext uri="{28A0092B-C50C-407E-A947-70E740481C1C}">
+                <a14:useLocalDpi xmlns:a14="http://schemas.microsoft.com/office/drawing/2010/main" val="0"/>
+              </a:ext>
+            </a:extLst>
+          </a:blip>
+          <a:stretch>
+            <a:fillRect/>
+          </a:stretch>
+        </p:blipFill>
+        <p:spPr bwMode="auto">
+          <a:xfrm>
+            <a:off x="0" y="2015734"/>
+            <a:ext cx="6815005" cy="3748252"/>
+          </a:xfrm>
+          <a:prstGeom prst="rect">
+            <a:avLst/>
+          </a:prstGeom>
+          <a:noFill/>
+          <a:extLst>
+            <a:ext uri="{909E8E84-426E-40DD-AFC4-6F175D3DCCD1}">
+              <a14:hiddenFill xmlns:a14="http://schemas.microsoft.com/office/drawing/2010/main">
+                <a:solidFill>
+                  <a:srgbClr val="FFFFFF"/>
+                </a:solidFill>
+              </a14:hiddenFill>
+            </a:ext>
+          </a:extLst>
+        </p:spPr>
+      </p:pic>
+      <p:sp>
+        <p:nvSpPr>
+          <p:cNvPr id="3" name="Content Placeholder 2">
+            <a:extLst>
+              <a:ext uri="{FF2B5EF4-FFF2-40B4-BE49-F238E27FC236}">
+                <a16:creationId xmlns:a16="http://schemas.microsoft.com/office/drawing/2014/main" id="{336DEC24-9108-7DDC-4107-8113BB10DBD5}"/>
+              </a:ext>
+            </a:extLst>
+          </p:cNvPr>
+          <p:cNvSpPr>
+            <a:spLocks noGrp="1"/>
+          </p:cNvSpPr>
+          <p:nvPr>
+            <p:ph idx="1"/>
+          </p:nvPr>
+        </p:nvSpPr>
+        <p:spPr>
+          <a:xfrm>
+            <a:off x="6892299" y="2015734"/>
+            <a:ext cx="5299701" cy="4037747"/>
+          </a:xfrm>
+        </p:spPr>
+        <p:txBody>
+          <a:bodyPr>
+            <a:normAutofit/>
+          </a:bodyPr>
+          <a:lstStyle/>
+          <a:p>
+            <a:r>
+              <a:rPr lang="en-US" sz="2800" dirty="0"/>
+              <a:t>Just like a classification tree, the regression tree predicts based on the value of the final leaf node. </a:t>
+            </a:r>
+          </a:p>
+          <a:p>
+            <a:pPr lvl="1"/>
+            <a:r>
+              <a:rPr lang="en-US" sz="2400" dirty="0"/>
+              <a:t>In a classification tree it is the predominant class of that node. </a:t>
+            </a:r>
+          </a:p>
+          <a:p>
+            <a:pPr lvl="1"/>
+            <a:r>
+              <a:rPr lang="en-US" sz="2400" dirty="0"/>
+              <a:t>In a regression tree it is the mean of the values in that node. </a:t>
+            </a:r>
+          </a:p>
+        </p:txBody>
+      </p:sp>
+    </p:spTree>
+    <p:extLst>
+      <p:ext uri="{BB962C8B-B14F-4D97-AF65-F5344CB8AC3E}">
+        <p14:creationId xmlns:p14="http://schemas.microsoft.com/office/powerpoint/2010/main" val="2268700501"/>
+      </p:ext>
+    </p:extLst>
+  </p:cSld>
+  <p:clrMapOvr>
+    <a:masterClrMapping/>
+  </p:clrMapOvr>
+</p:sld>
+</file>
+
+<file path=ppt/slides/slide8.xml><?xml version="1.0" encoding="utf-8"?>
+<p:sld xmlns:a="http://schemas.openxmlformats.org/drawingml/2006/main" xmlns:r="http://schemas.openxmlformats.org/officeDocument/2006/relationships" xmlns:p="http://schemas.openxmlformats.org/presentationml/2006/main">
+  <p:cSld>
+    <p:bg>
+      <p:bgPr>
+        <a:gradFill rotWithShape="1">
+          <a:gsLst>
+            <a:gs pos="0">
+              <a:schemeClr val="bg2">
+                <a:tint val="94000"/>
+                <a:satMod val="80000"/>
+                <a:lumMod val="106000"/>
+              </a:schemeClr>
+            </a:gs>
+            <a:gs pos="100000">
+              <a:schemeClr val="bg2">
+                <a:shade val="80000"/>
+              </a:schemeClr>
+            </a:gs>
+          </a:gsLst>
+          <a:path path="circle">
+            <a:fillToRect l="43000" r="43000" b="100000"/>
+          </a:path>
+        </a:gradFill>
+        <a:effectLst/>
+      </p:bgPr>
+    </p:bg>
+    <p:spTree>
+      <p:nvGrpSpPr>
+        <p:cNvPr id="1" name=""/>
+        <p:cNvGrpSpPr/>
+        <p:nvPr/>
+      </p:nvGrpSpPr>
+      <p:grpSpPr>
+        <a:xfrm>
+          <a:off x="0" y="0"/>
+          <a:ext cx="0" cy="0"/>
+          <a:chOff x="0" y="0"/>
+          <a:chExt cx="0" cy="0"/>
+        </a:xfrm>
+      </p:grpSpPr>
+      <p:sp>
+        <p:nvSpPr>
+          <p:cNvPr id="2" name="Title 1">
+            <a:extLst>
+              <a:ext uri="{FF2B5EF4-FFF2-40B4-BE49-F238E27FC236}">
                 <a16:creationId xmlns:a16="http://schemas.microsoft.com/office/drawing/2014/main" id="{753F6D91-5408-A112-40FA-DE1FD0AF6884}"/>
               </a:ext>
             </a:extLst>
@@ -5648,7 +6819,7 @@
         </p:spPr>
         <p:txBody>
           <a:bodyPr>
-            <a:normAutofit/>
+            <a:normAutofit lnSpcReduction="10000"/>
           </a:bodyPr>
           <a:lstStyle/>
           <a:p>
@@ -5710,6 +6881,21 @@
             <a:r>
               <a:rPr lang="en-US" dirty="0"/>
               <a:t>Regression trees can adapt to any relationship “shape”, not just linear. </a:t>
+            </a:r>
+          </a:p>
+          <a:p>
+            <a:pPr lvl="1"/>
+            <a:r>
+              <a:rPr lang="en-US" dirty="0"/>
+              <a:t># </a:t>
+            </a:r>
+            <a:r>
+              <a:rPr lang="en-US" dirty="0" err="1"/>
+              <a:t>leafs</a:t>
+            </a:r>
+            <a:r>
+              <a:rPr lang="en-US" dirty="0"/>
+              <a:t> = # of steps in a graph. </a:t>
             </a:r>
           </a:p>
         </p:txBody>
@@ -5772,7 +6958,7 @@
 </p:sld>
 </file>
 
-<file path=ppt/slides/slide8.xml><?xml version="1.0" encoding="utf-8"?>
+<file path=ppt/slides/slide9.xml><?xml version="1.0" encoding="utf-8"?>
 <p:sld xmlns:a="http://schemas.openxmlformats.org/drawingml/2006/main" xmlns:r="http://schemas.openxmlformats.org/officeDocument/2006/relationships" xmlns:p="http://schemas.openxmlformats.org/presentationml/2006/main">
   <p:cSld>
     <p:spTree>
@@ -5938,165 +7124,6 @@
     <p:extLst>
       <p:ext uri="{BB962C8B-B14F-4D97-AF65-F5344CB8AC3E}">
         <p14:creationId xmlns:p14="http://schemas.microsoft.com/office/powerpoint/2010/main" val="619094655"/>
-      </p:ext>
-    </p:extLst>
-  </p:cSld>
-  <p:clrMapOvr>
-    <a:masterClrMapping/>
-  </p:clrMapOvr>
-</p:sld>
-</file>
-
-<file path=ppt/slides/slide9.xml><?xml version="1.0" encoding="utf-8"?>
-<p:sld xmlns:a="http://schemas.openxmlformats.org/drawingml/2006/main" xmlns:r="http://schemas.openxmlformats.org/officeDocument/2006/relationships" xmlns:p="http://schemas.openxmlformats.org/presentationml/2006/main">
-  <p:cSld>
-    <p:spTree>
-      <p:nvGrpSpPr>
-        <p:cNvPr id="1" name=""/>
-        <p:cNvGrpSpPr/>
-        <p:nvPr/>
-      </p:nvGrpSpPr>
-      <p:grpSpPr>
-        <a:xfrm>
-          <a:off x="0" y="0"/>
-          <a:ext cx="0" cy="0"/>
-          <a:chOff x="0" y="0"/>
-          <a:chExt cx="0" cy="0"/>
-        </a:xfrm>
-      </p:grpSpPr>
-      <p:sp>
-        <p:nvSpPr>
-          <p:cNvPr id="2" name="Title 1">
-            <a:extLst>
-              <a:ext uri="{FF2B5EF4-FFF2-40B4-BE49-F238E27FC236}">
-                <a16:creationId xmlns:a16="http://schemas.microsoft.com/office/drawing/2014/main" id="{2A70F6A8-333C-1E4E-9722-94B644D1372E}"/>
-              </a:ext>
-            </a:extLst>
-          </p:cNvPr>
-          <p:cNvSpPr>
-            <a:spLocks noGrp="1"/>
-          </p:cNvSpPr>
-          <p:nvPr>
-            <p:ph type="title"/>
-          </p:nvPr>
-        </p:nvSpPr>
-        <p:spPr/>
-        <p:txBody>
-          <a:bodyPr/>
-          <a:lstStyle/>
-          <a:p>
-            <a:r>
-              <a:rPr lang="en-US" dirty="0"/>
-              <a:t>Extrapolation – Keep Going…</a:t>
-            </a:r>
-          </a:p>
-        </p:txBody>
-      </p:sp>
-      <p:sp>
-        <p:nvSpPr>
-          <p:cNvPr id="3" name="Content Placeholder 2">
-            <a:extLst>
-              <a:ext uri="{FF2B5EF4-FFF2-40B4-BE49-F238E27FC236}">
-                <a16:creationId xmlns:a16="http://schemas.microsoft.com/office/drawing/2014/main" id="{568795F1-9418-425F-8797-071FF3B0869C}"/>
-              </a:ext>
-            </a:extLst>
-          </p:cNvPr>
-          <p:cNvSpPr>
-            <a:spLocks noGrp="1"/>
-          </p:cNvSpPr>
-          <p:nvPr>
-            <p:ph idx="1"/>
-          </p:nvPr>
-        </p:nvSpPr>
-        <p:spPr>
-          <a:xfrm>
-            <a:off x="1451579" y="1853754"/>
-            <a:ext cx="9603275" cy="4277625"/>
-          </a:xfrm>
-        </p:spPr>
-        <p:txBody>
-          <a:bodyPr/>
-          <a:lstStyle/>
-          <a:p>
-            <a:r>
-              <a:rPr lang="en-US" dirty="0"/>
-              <a:t>The inability to extrapolate is one of the stat-y things we can notice in EDA. </a:t>
-            </a:r>
-          </a:p>
-          <a:p>
-            <a:pPr lvl="1"/>
-            <a:r>
-              <a:rPr lang="en-US" dirty="0"/>
-              <a:t>The properties of the data are going to impact the performance of models. </a:t>
-            </a:r>
-          </a:p>
-          <a:p>
-            <a:pPr lvl="1"/>
-            <a:r>
-              <a:rPr lang="en-US" dirty="0"/>
-              <a:t>We can only make predictions that are the mean of previous target results. </a:t>
-            </a:r>
-          </a:p>
-          <a:p>
-            <a:r>
-              <a:rPr lang="en-US" dirty="0"/>
-              <a:t>Scenario 1 - Predicting student performance in school. </a:t>
-            </a:r>
-          </a:p>
-          <a:p>
-            <a:pPr lvl="1"/>
-            <a:r>
-              <a:rPr lang="en-US" dirty="0"/>
-              <a:t>The range of the target is 0 to 100 (or 0-4 GPA), we have records all over that range. </a:t>
-            </a:r>
-          </a:p>
-          <a:p>
-            <a:r>
-              <a:rPr lang="en-US" dirty="0"/>
-              <a:t>Scenario 2 – Predicting total sales in dollars of a new car we developed. </a:t>
-            </a:r>
-          </a:p>
-          <a:p>
-            <a:pPr lvl="1"/>
-            <a:r>
-              <a:rPr lang="en-US" dirty="0"/>
-              <a:t>The range of the target is 0 to unknown. Our training data likely doesn’t blanket the range. </a:t>
-            </a:r>
-          </a:p>
-          <a:p>
-            <a:pPr lvl="1"/>
-            <a:r>
-              <a:rPr lang="en-US" dirty="0"/>
-              <a:t>Training data likely previous models, competitor cars, </a:t>
-            </a:r>
-            <a:r>
-              <a:rPr lang="en-US" dirty="0" err="1"/>
-              <a:t>etc</a:t>
-            </a:r>
-            <a:r>
-              <a:rPr lang="en-US" dirty="0"/>
-              <a:t>…</a:t>
-            </a:r>
-          </a:p>
-          <a:p>
-            <a:pPr lvl="1"/>
-            <a:r>
-              <a:rPr lang="en-US" dirty="0"/>
-              <a:t>If our car is a huge hit, we can’t predict “off the charts” results – linear regression could. </a:t>
-            </a:r>
-          </a:p>
-          <a:p>
-            <a:r>
-              <a:rPr lang="en-US" dirty="0"/>
-              <a:t>These types of things can help guide model choice, are often subtle to notice. </a:t>
-            </a:r>
-          </a:p>
-        </p:txBody>
-      </p:sp>
-    </p:spTree>
-    <p:extLst>
-      <p:ext uri="{BB962C8B-B14F-4D97-AF65-F5344CB8AC3E}">
-        <p14:creationId xmlns:p14="http://schemas.microsoft.com/office/powerpoint/2010/main" val="2064051381"/>
       </p:ext>
     </p:extLst>
   </p:cSld>
